--- a/ML_Project.pptx
+++ b/ML_Project.pptx
@@ -6,10 +6,10 @@
     <p:sldMasterId id="2147483691" r:id="rId5"/>
   </p:sldMasterIdLst>
   <p:notesMasterIdLst>
-    <p:notesMasterId r:id="rId22"/>
+    <p:notesMasterId r:id="rId23"/>
   </p:notesMasterIdLst>
   <p:handoutMasterIdLst>
-    <p:handoutMasterId r:id="rId23"/>
+    <p:handoutMasterId r:id="rId24"/>
   </p:handoutMasterIdLst>
   <p:sldIdLst>
     <p:sldId id="286" r:id="rId6"/>
@@ -25,9 +25,10 @@
     <p:sldId id="294" r:id="rId16"/>
     <p:sldId id="295" r:id="rId17"/>
     <p:sldId id="300" r:id="rId18"/>
-    <p:sldId id="287" r:id="rId19"/>
-    <p:sldId id="285" r:id="rId20"/>
-    <p:sldId id="293" r:id="rId21"/>
+    <p:sldId id="301" r:id="rId19"/>
+    <p:sldId id="287" r:id="rId20"/>
+    <p:sldId id="285" r:id="rId21"/>
+    <p:sldId id="293" r:id="rId22"/>
   </p:sldIdLst>
   <p:sldSz cx="12192000" cy="6858000"/>
   <p:notesSz cx="6858000" cy="9144000"/>
@@ -255,7 +256,7 @@
             <a:pPr rtl="0"/>
             <a:fld id="{CA031056-4FCB-4A2D-8961-F528C02E0335}" type="datetime1">
               <a:rPr lang="es-ES" smtClean="0"/>
-              <a:t>27/04/2022</a:t>
+              <a:t>04/05/2022</a:t>
             </a:fld>
             <a:endParaRPr lang="es-ES"/>
           </a:p>
@@ -437,7 +438,7 @@
             <a:fld id="{E6A1ED3A-6839-4688-9965-41A13FBB23DA}" type="datetime1">
               <a:rPr lang="es-ES" smtClean="0"/>
               <a:pPr/>
-              <a:t>27/04/2022</a:t>
+              <a:t>04/05/2022</a:t>
             </a:fld>
             <a:endParaRPr lang="es-ES" dirty="0"/>
           </a:p>
@@ -1463,7 +1464,7 @@
             <a:pPr rtl="0"/>
             <a:fld id="{AA56AE3B-6E27-4D3F-AACB-02038B3F9F4D}" type="datetime1">
               <a:rPr lang="es-ES" noProof="0" smtClean="0"/>
-              <a:t>27/04/2022</a:t>
+              <a:t>04/05/2022</a:t>
             </a:fld>
             <a:endParaRPr lang="es-ES" noProof="0"/>
           </a:p>
@@ -1746,7 +1747,7 @@
             <a:pPr rtl="0"/>
             <a:fld id="{AA56AE3B-6E27-4D3F-AACB-02038B3F9F4D}" type="datetime1">
               <a:rPr lang="es-ES" noProof="0" smtClean="0"/>
-              <a:t>27/04/2022</a:t>
+              <a:t>04/05/2022</a:t>
             </a:fld>
             <a:endParaRPr lang="es-ES" noProof="0"/>
           </a:p>
@@ -2025,7 +2026,7 @@
             <a:pPr rtl="0"/>
             <a:fld id="{AA56AE3B-6E27-4D3F-AACB-02038B3F9F4D}" type="datetime1">
               <a:rPr lang="es-ES" noProof="0" smtClean="0"/>
-              <a:t>27/04/2022</a:t>
+              <a:t>04/05/2022</a:t>
             </a:fld>
             <a:endParaRPr lang="es-ES" noProof="0"/>
           </a:p>
@@ -2304,7 +2305,7 @@
             <a:pPr rtl="0"/>
             <a:fld id="{AA56AE3B-6E27-4D3F-AACB-02038B3F9F4D}" type="datetime1">
               <a:rPr lang="es-ES" noProof="0" smtClean="0"/>
-              <a:t>27/04/2022</a:t>
+              <a:t>04/05/2022</a:t>
             </a:fld>
             <a:endParaRPr lang="es-ES" noProof="0"/>
           </a:p>
@@ -2502,7 +2503,7 @@
             <a:pPr rtl="0"/>
             <a:fld id="{AA56AE3B-6E27-4D3F-AACB-02038B3F9F4D}" type="datetime1">
               <a:rPr lang="es-ES" noProof="0" smtClean="0"/>
-              <a:t>27/04/2022</a:t>
+              <a:t>04/05/2022</a:t>
             </a:fld>
             <a:endParaRPr lang="es-ES" noProof="0"/>
           </a:p>
@@ -2779,7 +2780,7 @@
             <a:pPr rtl="0"/>
             <a:fld id="{AA56AE3B-6E27-4D3F-AACB-02038B3F9F4D}" type="datetime1">
               <a:rPr lang="es-ES" noProof="0" smtClean="0"/>
-              <a:t>27/04/2022</a:t>
+              <a:t>04/05/2022</a:t>
             </a:fld>
             <a:endParaRPr lang="es-ES" noProof="0"/>
           </a:p>
@@ -3124,7 +3125,7 @@
             <a:pPr rtl="0"/>
             <a:fld id="{AA56AE3B-6E27-4D3F-AACB-02038B3F9F4D}" type="datetime1">
               <a:rPr lang="es-ES" noProof="0" smtClean="0"/>
-              <a:t>27/04/2022</a:t>
+              <a:t>04/05/2022</a:t>
             </a:fld>
             <a:endParaRPr lang="es-ES" noProof="0"/>
           </a:p>
@@ -3751,7 +3752,7 @@
             <a:pPr rtl="0"/>
             <a:fld id="{AA56AE3B-6E27-4D3F-AACB-02038B3F9F4D}" type="datetime1">
               <a:rPr lang="es-ES" noProof="0" smtClean="0"/>
-              <a:t>27/04/2022</a:t>
+              <a:t>04/05/2022</a:t>
             </a:fld>
             <a:endParaRPr lang="es-ES" noProof="0"/>
           </a:p>
@@ -4615,7 +4616,7 @@
             <a:pPr rtl="0"/>
             <a:fld id="{AA56AE3B-6E27-4D3F-AACB-02038B3F9F4D}" type="datetime1">
               <a:rPr lang="es-ES" noProof="0" smtClean="0"/>
-              <a:t>27/04/2022</a:t>
+              <a:t>04/05/2022</a:t>
             </a:fld>
             <a:endParaRPr lang="es-ES" noProof="0"/>
           </a:p>
@@ -4789,7 +4790,7 @@
             <a:pPr rtl="0"/>
             <a:fld id="{AA56AE3B-6E27-4D3F-AACB-02038B3F9F4D}" type="datetime1">
               <a:rPr lang="es-ES" noProof="0" smtClean="0"/>
-              <a:t>27/04/2022</a:t>
+              <a:t>04/05/2022</a:t>
             </a:fld>
             <a:endParaRPr lang="es-ES" noProof="0"/>
           </a:p>
@@ -6111,7 +6112,7 @@
             <a:pPr rtl="0"/>
             <a:fld id="{AA56AE3B-6E27-4D3F-AACB-02038B3F9F4D}" type="datetime1">
               <a:rPr lang="es-ES" noProof="0" smtClean="0"/>
-              <a:t>27/04/2022</a:t>
+              <a:t>04/05/2022</a:t>
             </a:fld>
             <a:endParaRPr lang="es-ES" noProof="0"/>
           </a:p>
@@ -9761,7 +9762,7 @@
             <a:pPr rtl="0"/>
             <a:fld id="{AA56AE3B-6E27-4D3F-AACB-02038B3F9F4D}" type="datetime1">
               <a:rPr lang="es-ES" noProof="0" smtClean="0"/>
-              <a:t>27/04/2022</a:t>
+              <a:t>04/05/2022</a:t>
             </a:fld>
             <a:endParaRPr lang="es-ES" noProof="0"/>
           </a:p>
@@ -9935,7 +9936,7 @@
             <a:pPr rtl="0"/>
             <a:fld id="{AA56AE3B-6E27-4D3F-AACB-02038B3F9F4D}" type="datetime1">
               <a:rPr lang="es-ES" noProof="0" smtClean="0"/>
-              <a:t>27/04/2022</a:t>
+              <a:t>04/05/2022</a:t>
             </a:fld>
             <a:endParaRPr lang="es-ES" noProof="0"/>
           </a:p>
@@ -10186,7 +10187,7 @@
             <a:pPr rtl="0"/>
             <a:fld id="{AA56AE3B-6E27-4D3F-AACB-02038B3F9F4D}" type="datetime1">
               <a:rPr lang="es-ES" noProof="0" smtClean="0"/>
-              <a:t>27/04/2022</a:t>
+              <a:t>04/05/2022</a:t>
             </a:fld>
             <a:endParaRPr lang="es-ES" noProof="0"/>
           </a:p>
@@ -10482,7 +10483,7 @@
             <a:pPr rtl="0"/>
             <a:fld id="{AA56AE3B-6E27-4D3F-AACB-02038B3F9F4D}" type="datetime1">
               <a:rPr lang="es-ES" noProof="0" smtClean="0"/>
-              <a:t>27/04/2022</a:t>
+              <a:t>04/05/2022</a:t>
             </a:fld>
             <a:endParaRPr lang="es-ES" noProof="0"/>
           </a:p>
@@ -10930,7 +10931,7 @@
             <a:pPr rtl="0"/>
             <a:fld id="{AA56AE3B-6E27-4D3F-AACB-02038B3F9F4D}" type="datetime1">
               <a:rPr lang="es-ES" noProof="0" smtClean="0"/>
-              <a:t>27/04/2022</a:t>
+              <a:t>04/05/2022</a:t>
             </a:fld>
             <a:endParaRPr lang="es-ES" noProof="0"/>
           </a:p>
@@ -11052,7 +11053,7 @@
             <a:pPr rtl="0"/>
             <a:fld id="{AA56AE3B-6E27-4D3F-AACB-02038B3F9F4D}" type="datetime1">
               <a:rPr lang="es-ES" noProof="0" smtClean="0"/>
-              <a:t>27/04/2022</a:t>
+              <a:t>04/05/2022</a:t>
             </a:fld>
             <a:endParaRPr lang="es-ES" noProof="0"/>
           </a:p>
@@ -11286,7 +11287,7 @@
             <a:pPr rtl="0"/>
             <a:fld id="{AA56AE3B-6E27-4D3F-AACB-02038B3F9F4D}" type="datetime1">
               <a:rPr lang="es-ES" noProof="0" smtClean="0"/>
-              <a:t>27/04/2022</a:t>
+              <a:t>04/05/2022</a:t>
             </a:fld>
             <a:endParaRPr lang="es-ES" noProof="0"/>
           </a:p>
@@ -12050,7 +12051,7 @@
             <a:pPr rtl="0"/>
             <a:fld id="{AA56AE3B-6E27-4D3F-AACB-02038B3F9F4D}" type="datetime1">
               <a:rPr lang="es-ES" noProof="0" smtClean="0"/>
-              <a:t>27/04/2022</a:t>
+              <a:t>04/05/2022</a:t>
             </a:fld>
             <a:endParaRPr lang="es-ES" noProof="0"/>
           </a:p>
@@ -12606,23 +12607,11 @@
           <a:p>
             <a:r>
               <a:rPr lang="es-ES" dirty="0"/>
-              <a:t>King </a:t>
+              <a:t>Comunio Helper</a:t>
             </a:r>
             <a:br>
               <a:rPr lang="es-ES" dirty="0"/>
             </a:br>
-            <a:r>
-              <a:rPr lang="es-ES" dirty="0" err="1"/>
-              <a:t>Footbal</a:t>
-            </a:r>
-            <a:r>
-              <a:rPr lang="es-ES" dirty="0"/>
-              <a:t> </a:t>
-            </a:r>
-            <a:r>
-              <a:rPr lang="es-ES" dirty="0" err="1"/>
-              <a:t>Fantasy</a:t>
-            </a:r>
             <a:endParaRPr lang="es-ES" dirty="0"/>
           </a:p>
         </p:txBody>
@@ -12650,13 +12639,8 @@
           <a:p>
             <a:r>
               <a:rPr lang="es-ES" dirty="0"/>
-              <a:t>Proyecto fin de </a:t>
-            </a:r>
-            <a:r>
-              <a:rPr lang="es-ES" dirty="0" err="1"/>
-              <a:t>bootcamp</a:t>
-            </a:r>
-            <a:endParaRPr lang="es-ES" dirty="0"/>
+              <a:t>Proyecto fin de bootcamp</a:t>
+            </a:r>
           </a:p>
           <a:p>
             <a:r>
@@ -14191,7 +14175,7 @@
             <p:ph idx="1"/>
             <p:extLst>
               <p:ext uri="{D42A27DB-BD31-4B8C-83A1-F6EECF244321}">
-                <p14:modId xmlns:p14="http://schemas.microsoft.com/office/powerpoint/2010/main" val="3858703228"/>
+                <p14:modId xmlns:p14="http://schemas.microsoft.com/office/powerpoint/2010/main" val="772902789"/>
               </p:ext>
             </p:extLst>
           </p:nvPr>
@@ -14360,7 +14344,7 @@
                       <a:pPr algn="ctr"/>
                       <a:r>
                         <a:rPr lang="es-ES" dirty="0"/>
-                        <a:t>59.3</a:t>
+                        <a:t>59.15</a:t>
                       </a:r>
                     </a:p>
                   </a:txBody>
@@ -14378,10 +14362,10 @@
       </p:graphicFrame>
       <p:pic>
         <p:nvPicPr>
-          <p:cNvPr id="5" name="Imagen 4" descr="Gráfico, Gráfico de líneas&#10;&#10;Descripción generada automáticamente">
+          <p:cNvPr id="3" name="Imagen 2" descr="Gráfico, Gráfico de líneas&#10;&#10;Descripción generada automáticamente">
             <a:extLst>
               <a:ext uri="{FF2B5EF4-FFF2-40B4-BE49-F238E27FC236}">
-                <a16:creationId xmlns:a16="http://schemas.microsoft.com/office/drawing/2014/main" id="{C882F837-DB54-44C1-9D1C-4AD5C601181E}"/>
+                <a16:creationId xmlns:a16="http://schemas.microsoft.com/office/drawing/2014/main" id="{097503AA-A2A8-4E08-B542-174A6444DF2A}"/>
               </a:ext>
             </a:extLst>
           </p:cNvPr>
@@ -14398,8 +14382,8 @@
         </p:blipFill>
         <p:spPr>
           <a:xfrm>
-            <a:off x="4387136" y="1494183"/>
-            <a:ext cx="7588506" cy="2623887"/>
+            <a:off x="4444210" y="1690007"/>
+            <a:ext cx="7715250" cy="2653392"/>
           </a:xfrm>
           <a:prstGeom prst="rect">
             <a:avLst/>
@@ -14466,10 +14450,10 @@
       </p:sp>
       <p:pic>
         <p:nvPicPr>
-          <p:cNvPr id="4" name="Imagen 3" descr="Gráfico, Histograma&#10;&#10;Descripción generada automáticamente">
+          <p:cNvPr id="5" name="Imagen 4" descr="Gráfico, Histograma&#10;&#10;Descripción generada automáticamente">
             <a:extLst>
               <a:ext uri="{FF2B5EF4-FFF2-40B4-BE49-F238E27FC236}">
-                <a16:creationId xmlns:a16="http://schemas.microsoft.com/office/drawing/2014/main" id="{33D1171D-D321-4F3D-B841-7345812D0382}"/>
+                <a16:creationId xmlns:a16="http://schemas.microsoft.com/office/drawing/2014/main" id="{34F466B3-9BC8-8BAB-1F31-A2DE34319B67}"/>
               </a:ext>
             </a:extLst>
           </p:cNvPr>
@@ -14486,8 +14470,8 @@
         </p:blipFill>
         <p:spPr>
           <a:xfrm>
-            <a:off x="4142792" y="104424"/>
-            <a:ext cx="3965510" cy="2918694"/>
+            <a:off x="3939003" y="205581"/>
+            <a:ext cx="4051727" cy="2784880"/>
           </a:xfrm>
           <a:prstGeom prst="rect">
             <a:avLst/>
@@ -14496,10 +14480,10 @@
       </p:pic>
       <p:pic>
         <p:nvPicPr>
-          <p:cNvPr id="6" name="Imagen 5" descr="Gráfico, Histograma&#10;&#10;Descripción generada automáticamente">
+          <p:cNvPr id="9" name="Imagen 8" descr="Gráfico, Histograma&#10;&#10;Descripción generada automáticamente">
             <a:extLst>
               <a:ext uri="{FF2B5EF4-FFF2-40B4-BE49-F238E27FC236}">
-                <a16:creationId xmlns:a16="http://schemas.microsoft.com/office/drawing/2014/main" id="{5A19A390-37DF-48F2-B2B4-85F7058B0D0A}"/>
+                <a16:creationId xmlns:a16="http://schemas.microsoft.com/office/drawing/2014/main" id="{B6F4D9DE-2179-ACF0-938D-D31C3C2BE52F}"/>
               </a:ext>
             </a:extLst>
           </p:cNvPr>
@@ -14516,8 +14500,8 @@
         </p:blipFill>
         <p:spPr>
           <a:xfrm>
-            <a:off x="2324521" y="3926264"/>
-            <a:ext cx="3425951" cy="2497910"/>
+            <a:off x="220279" y="1292451"/>
+            <a:ext cx="3258352" cy="2307999"/>
           </a:xfrm>
           <a:prstGeom prst="rect">
             <a:avLst/>
@@ -14526,10 +14510,10 @@
       </p:pic>
       <p:pic>
         <p:nvPicPr>
-          <p:cNvPr id="8" name="Imagen 7" descr="Gráfico, Histograma&#10;&#10;Descripción generada automáticamente">
+          <p:cNvPr id="13" name="Imagen 12" descr="Gráfico, Histograma&#10;&#10;Descripción generada automáticamente">
             <a:extLst>
               <a:ext uri="{FF2B5EF4-FFF2-40B4-BE49-F238E27FC236}">
-                <a16:creationId xmlns:a16="http://schemas.microsoft.com/office/drawing/2014/main" id="{B8BE5B87-2B9D-42C7-9660-99E45E4BE505}"/>
+                <a16:creationId xmlns:a16="http://schemas.microsoft.com/office/drawing/2014/main" id="{679EA7B3-D949-3349-CE2E-C9D17FC9F494}"/>
               </a:ext>
             </a:extLst>
           </p:cNvPr>
@@ -14546,8 +14530,8 @@
         </p:blipFill>
         <p:spPr>
           <a:xfrm>
-            <a:off x="248726" y="1324646"/>
-            <a:ext cx="3138286" cy="2291191"/>
+            <a:off x="378437" y="3976406"/>
+            <a:ext cx="3407958" cy="2428876"/>
           </a:xfrm>
           <a:prstGeom prst="rect">
             <a:avLst/>
@@ -14556,10 +14540,10 @@
       </p:pic>
       <p:pic>
         <p:nvPicPr>
-          <p:cNvPr id="10" name="Imagen 9" descr="Gráfico, Histograma&#10;&#10;Descripción generada automáticamente">
+          <p:cNvPr id="15" name="Imagen 14" descr="Gráfico, Histograma&#10;&#10;Descripción generada automáticamente">
             <a:extLst>
               <a:ext uri="{FF2B5EF4-FFF2-40B4-BE49-F238E27FC236}">
-                <a16:creationId xmlns:a16="http://schemas.microsoft.com/office/drawing/2014/main" id="{78697F0C-6267-4C1A-9555-77436C76BD33}"/>
+                <a16:creationId xmlns:a16="http://schemas.microsoft.com/office/drawing/2014/main" id="{E57E93C3-4246-1DD8-8ED5-FDB2C16DF592}"/>
               </a:ext>
             </a:extLst>
           </p:cNvPr>
@@ -14576,8 +14560,8 @@
         </p:blipFill>
         <p:spPr>
           <a:xfrm>
-            <a:off x="6433621" y="3926264"/>
-            <a:ext cx="3557093" cy="2497909"/>
+            <a:off x="8137932" y="3976406"/>
+            <a:ext cx="3407957" cy="2470525"/>
           </a:xfrm>
           <a:prstGeom prst="rect">
             <a:avLst/>
@@ -14586,10 +14570,10 @@
       </p:pic>
       <p:pic>
         <p:nvPicPr>
-          <p:cNvPr id="12" name="Imagen 11" descr="Gráfico, Gráfico de barras, Histograma&#10;&#10;Descripción generada automáticamente">
+          <p:cNvPr id="17" name="Imagen 16" descr="Gráfico, Histograma&#10;&#10;Descripción generada automáticamente">
             <a:extLst>
               <a:ext uri="{FF2B5EF4-FFF2-40B4-BE49-F238E27FC236}">
-                <a16:creationId xmlns:a16="http://schemas.microsoft.com/office/drawing/2014/main" id="{EE2C889A-B43A-4A0C-AB6A-8D322D55CF6F}"/>
+                <a16:creationId xmlns:a16="http://schemas.microsoft.com/office/drawing/2014/main" id="{5C6596B6-8EDF-A877-25E5-BF737A38E4F8}"/>
               </a:ext>
             </a:extLst>
           </p:cNvPr>
@@ -14606,8 +14590,38 @@
         </p:blipFill>
         <p:spPr>
           <a:xfrm>
-            <a:off x="8542722" y="1361294"/>
-            <a:ext cx="3275492" cy="2291190"/>
+            <a:off x="4201921" y="3337448"/>
+            <a:ext cx="3362325" cy="2447925"/>
+          </a:xfrm>
+          <a:prstGeom prst="rect">
+            <a:avLst/>
+          </a:prstGeom>
+        </p:spPr>
+      </p:pic>
+      <p:pic>
+        <p:nvPicPr>
+          <p:cNvPr id="19" name="Imagen 18" descr="Gráfico, Gráfico de barras, Histograma&#10;&#10;Descripción generada automáticamente">
+            <a:extLst>
+              <a:ext uri="{FF2B5EF4-FFF2-40B4-BE49-F238E27FC236}">
+                <a16:creationId xmlns:a16="http://schemas.microsoft.com/office/drawing/2014/main" id="{C5C67966-F1D7-E456-A419-85D0803E31D2}"/>
+              </a:ext>
+            </a:extLst>
+          </p:cNvPr>
+          <p:cNvPicPr>
+            <a:picLocks noChangeAspect="1"/>
+          </p:cNvPicPr>
+          <p:nvPr/>
+        </p:nvPicPr>
+        <p:blipFill>
+          <a:blip r:embed="rId7"/>
+          <a:stretch>
+            <a:fillRect/>
+          </a:stretch>
+        </p:blipFill>
+        <p:spPr>
+          <a:xfrm>
+            <a:off x="8287537" y="1297495"/>
+            <a:ext cx="3258352" cy="2315627"/>
           </a:xfrm>
           <a:prstGeom prst="rect">
             <a:avLst/>
@@ -14658,7 +14672,7 @@
                                           </p:stCondLst>
                                         </p:cTn>
                                         <p:tgtEl>
-                                          <p:spTgt spid="4"/>
+                                          <p:spTgt spid="5"/>
                                         </p:tgtEl>
                                         <p:attrNameLst>
                                           <p:attrName>style.visibility</p:attrName>
@@ -14703,7 +14717,7 @@
                                           </p:stCondLst>
                                         </p:cTn>
                                         <p:tgtEl>
-                                          <p:spTgt spid="8"/>
+                                          <p:spTgt spid="9"/>
                                         </p:tgtEl>
                                         <p:attrNameLst>
                                           <p:attrName>style.visibility</p:attrName>
@@ -14748,7 +14762,7 @@
                                           </p:stCondLst>
                                         </p:cTn>
                                         <p:tgtEl>
-                                          <p:spTgt spid="6"/>
+                                          <p:spTgt spid="13"/>
                                         </p:tgtEl>
                                         <p:attrNameLst>
                                           <p:attrName>style.visibility</p:attrName>
@@ -14793,7 +14807,7 @@
                                           </p:stCondLst>
                                         </p:cTn>
                                         <p:tgtEl>
-                                          <p:spTgt spid="10"/>
+                                          <p:spTgt spid="19"/>
                                         </p:tgtEl>
                                         <p:attrNameLst>
                                           <p:attrName>style.visibility</p:attrName>
@@ -14838,7 +14852,7 @@
                                           </p:stCondLst>
                                         </p:cTn>
                                         <p:tgtEl>
-                                          <p:spTgt spid="12"/>
+                                          <p:spTgt spid="15"/>
                                         </p:tgtEl>
                                         <p:attrNameLst>
                                           <p:attrName>style.visibility</p:attrName>
@@ -14870,28 +14884,73 @@
                             </p:stCondLst>
                             <p:childTnLst>
                               <p:par>
-                                <p:cTn id="25" presetID="10" presetClass="exit" presetSubtype="0" fill="hold" nodeType="clickEffect">
+                                <p:cTn id="25" presetID="1" presetClass="entr" presetSubtype="0" fill="hold" nodeType="clickEffect">
+                                  <p:stCondLst>
+                                    <p:cond delay="0"/>
+                                  </p:stCondLst>
+                                  <p:childTnLst>
+                                    <p:set>
+                                      <p:cBhvr>
+                                        <p:cTn id="26" dur="1" fill="hold">
+                                          <p:stCondLst>
+                                            <p:cond delay="0"/>
+                                          </p:stCondLst>
+                                        </p:cTn>
+                                        <p:tgtEl>
+                                          <p:spTgt spid="17"/>
+                                        </p:tgtEl>
+                                        <p:attrNameLst>
+                                          <p:attrName>style.visibility</p:attrName>
+                                        </p:attrNameLst>
+                                      </p:cBhvr>
+                                      <p:to>
+                                        <p:strVal val="visible"/>
+                                      </p:to>
+                                    </p:set>
+                                  </p:childTnLst>
+                                </p:cTn>
+                              </p:par>
+                            </p:childTnLst>
+                          </p:cTn>
+                        </p:par>
+                      </p:childTnLst>
+                    </p:cTn>
+                  </p:par>
+                  <p:par>
+                    <p:cTn id="27" fill="hold">
+                      <p:stCondLst>
+                        <p:cond delay="indefinite"/>
+                      </p:stCondLst>
+                      <p:childTnLst>
+                        <p:par>
+                          <p:cTn id="28" fill="hold">
+                            <p:stCondLst>
+                              <p:cond delay="0"/>
+                            </p:stCondLst>
+                            <p:childTnLst>
+                              <p:par>
+                                <p:cTn id="29" presetID="10" presetClass="exit" presetSubtype="0" fill="hold" nodeType="clickEffect">
                                   <p:stCondLst>
                                     <p:cond delay="0"/>
                                   </p:stCondLst>
                                   <p:childTnLst>
                                     <p:animEffect transition="out" filter="fade">
                                       <p:cBhvr>
-                                        <p:cTn id="26" dur="500"/>
+                                        <p:cTn id="30" dur="500"/>
                                         <p:tgtEl>
-                                          <p:spTgt spid="12"/>
+                                          <p:spTgt spid="19"/>
                                         </p:tgtEl>
                                       </p:cBhvr>
                                     </p:animEffect>
                                     <p:set>
                                       <p:cBhvr>
-                                        <p:cTn id="27" dur="1" fill="hold">
+                                        <p:cTn id="31" dur="1" fill="hold">
                                           <p:stCondLst>
                                             <p:cond delay="499"/>
                                           </p:stCondLst>
                                         </p:cTn>
                                         <p:tgtEl>
-                                          <p:spTgt spid="12"/>
+                                          <p:spTgt spid="19"/>
                                         </p:tgtEl>
                                         <p:attrNameLst>
                                           <p:attrName>style.visibility</p:attrName>
@@ -14911,40 +14970,40 @@
                     </p:cTn>
                   </p:par>
                   <p:par>
-                    <p:cTn id="28" fill="hold">
+                    <p:cTn id="32" fill="hold">
                       <p:stCondLst>
                         <p:cond delay="indefinite"/>
                       </p:stCondLst>
                       <p:childTnLst>
                         <p:par>
-                          <p:cTn id="29" fill="hold">
+                          <p:cTn id="33" fill="hold">
                             <p:stCondLst>
                               <p:cond delay="0"/>
                             </p:stCondLst>
                             <p:childTnLst>
                               <p:par>
-                                <p:cTn id="30" presetID="10" presetClass="exit" presetSubtype="0" fill="hold" nodeType="clickEffect">
+                                <p:cTn id="34" presetID="10" presetClass="exit" presetSubtype="0" fill="hold" nodeType="clickEffect">
                                   <p:stCondLst>
                                     <p:cond delay="0"/>
                                   </p:stCondLst>
                                   <p:childTnLst>
                                     <p:animEffect transition="out" filter="fade">
                                       <p:cBhvr>
-                                        <p:cTn id="31" dur="500"/>
+                                        <p:cTn id="35" dur="500"/>
                                         <p:tgtEl>
-                                          <p:spTgt spid="8"/>
+                                          <p:spTgt spid="9"/>
                                         </p:tgtEl>
                                       </p:cBhvr>
                                     </p:animEffect>
                                     <p:set>
                                       <p:cBhvr>
-                                        <p:cTn id="32" dur="1" fill="hold">
+                                        <p:cTn id="36" dur="1" fill="hold">
                                           <p:stCondLst>
                                             <p:cond delay="499"/>
                                           </p:stCondLst>
                                         </p:cTn>
                                         <p:tgtEl>
-                                          <p:spTgt spid="8"/>
+                                          <p:spTgt spid="9"/>
                                         </p:tgtEl>
                                         <p:attrNameLst>
                                           <p:attrName>style.visibility</p:attrName>
@@ -14964,40 +15023,93 @@
                     </p:cTn>
                   </p:par>
                   <p:par>
-                    <p:cTn id="33" fill="hold">
+                    <p:cTn id="37" fill="hold">
                       <p:stCondLst>
                         <p:cond delay="indefinite"/>
                       </p:stCondLst>
                       <p:childTnLst>
                         <p:par>
-                          <p:cTn id="34" fill="hold">
+                          <p:cTn id="38" fill="hold">
                             <p:stCondLst>
                               <p:cond delay="0"/>
                             </p:stCondLst>
                             <p:childTnLst>
                               <p:par>
-                                <p:cTn id="35" presetID="10" presetClass="exit" presetSubtype="0" fill="hold" nodeType="clickEffect">
+                                <p:cTn id="39" presetID="10" presetClass="exit" presetSubtype="0" fill="hold" nodeType="clickEffect">
                                   <p:stCondLst>
                                     <p:cond delay="0"/>
                                   </p:stCondLst>
                                   <p:childTnLst>
                                     <p:animEffect transition="out" filter="fade">
                                       <p:cBhvr>
-                                        <p:cTn id="36" dur="500"/>
+                                        <p:cTn id="40" dur="500"/>
                                         <p:tgtEl>
-                                          <p:spTgt spid="6"/>
+                                          <p:spTgt spid="13"/>
                                         </p:tgtEl>
                                       </p:cBhvr>
                                     </p:animEffect>
                                     <p:set>
                                       <p:cBhvr>
-                                        <p:cTn id="37" dur="1" fill="hold">
+                                        <p:cTn id="41" dur="1" fill="hold">
                                           <p:stCondLst>
                                             <p:cond delay="499"/>
                                           </p:stCondLst>
                                         </p:cTn>
                                         <p:tgtEl>
-                                          <p:spTgt spid="6"/>
+                                          <p:spTgt spid="13"/>
+                                        </p:tgtEl>
+                                        <p:attrNameLst>
+                                          <p:attrName>style.visibility</p:attrName>
+                                        </p:attrNameLst>
+                                      </p:cBhvr>
+                                      <p:to>
+                                        <p:strVal val="hidden"/>
+                                      </p:to>
+                                    </p:set>
+                                  </p:childTnLst>
+                                </p:cTn>
+                              </p:par>
+                            </p:childTnLst>
+                          </p:cTn>
+                        </p:par>
+                      </p:childTnLst>
+                    </p:cTn>
+                  </p:par>
+                  <p:par>
+                    <p:cTn id="42" fill="hold">
+                      <p:stCondLst>
+                        <p:cond delay="indefinite"/>
+                      </p:stCondLst>
+                      <p:childTnLst>
+                        <p:par>
+                          <p:cTn id="43" fill="hold">
+                            <p:stCondLst>
+                              <p:cond delay="0"/>
+                            </p:stCondLst>
+                            <p:childTnLst>
+                              <p:par>
+                                <p:cTn id="44" presetID="14" presetClass="exit" presetSubtype="10" fill="hold" nodeType="clickEffect">
+                                  <p:stCondLst>
+                                    <p:cond delay="0"/>
+                                  </p:stCondLst>
+                                  <p:childTnLst>
+                                    <p:animEffect transition="out" filter="randombar(horizontal)">
+                                      <p:cBhvr>
+                                        <p:cTn id="45" dur="500"/>
+                                        <p:tgtEl>
+                                          <p:spTgt spid="15"/>
+                                        </p:tgtEl>
+                                      </p:cBhvr>
+                                    </p:animEffect>
+                                    <p:set>
+                                      <p:cBhvr>
+                                        <p:cTn id="46" dur="1" fill="hold">
+                                          <p:stCondLst>
+                                            <p:cond delay="499"/>
+                                          </p:stCondLst>
+                                        </p:cTn>
+                                        <p:tgtEl>
+                                          <p:spTgt spid="15"/>
                                         </p:tgtEl>
                                         <p:attrNameLst>
                                           <p:attrName>style.visibility</p:attrName>
@@ -15063,6 +15175,66 @@
           <p:cNvPr id="2" name="Título 1">
             <a:extLst>
               <a:ext uri="{FF2B5EF4-FFF2-40B4-BE49-F238E27FC236}">
+                <a16:creationId xmlns:a16="http://schemas.microsoft.com/office/drawing/2014/main" id="{D3D3419E-A3D8-C96B-DFE5-B275D4CB917B}"/>
+              </a:ext>
+            </a:extLst>
+          </p:cNvPr>
+          <p:cNvSpPr>
+            <a:spLocks noGrp="1"/>
+          </p:cNvSpPr>
+          <p:nvPr>
+            <p:ph type="title"/>
+          </p:nvPr>
+        </p:nvSpPr>
+        <p:spPr/>
+        <p:txBody>
+          <a:bodyPr/>
+          <a:lstStyle/>
+          <a:p>
+            <a:pPr algn="ctr"/>
+            <a:r>
+              <a:rPr lang="es-ES"/>
+              <a:t>Ejemplo alineación J 34</a:t>
+            </a:r>
+            <a:endParaRPr lang="es-ES" dirty="0"/>
+          </a:p>
+        </p:txBody>
+      </p:sp>
+    </p:spTree>
+    <p:extLst>
+      <p:ext uri="{BB962C8B-B14F-4D97-AF65-F5344CB8AC3E}">
+        <p14:creationId xmlns:p14="http://schemas.microsoft.com/office/powerpoint/2010/main" val="2275683531"/>
+      </p:ext>
+    </p:extLst>
+  </p:cSld>
+  <p:clrMapOvr>
+    <a:masterClrMapping/>
+  </p:clrMapOvr>
+</p:sld>
+</file>
+
+<file path=ppt/slides/slide15.xml><?xml version="1.0" encoding="utf-8"?>
+<p:sld xmlns:a="http://schemas.openxmlformats.org/drawingml/2006/main" xmlns:r="http://schemas.openxmlformats.org/officeDocument/2006/relationships" xmlns:p="http://schemas.openxmlformats.org/presentationml/2006/main">
+  <p:cSld>
+    <p:spTree>
+      <p:nvGrpSpPr>
+        <p:cNvPr id="1" name=""/>
+        <p:cNvGrpSpPr/>
+        <p:nvPr/>
+      </p:nvGrpSpPr>
+      <p:grpSpPr>
+        <a:xfrm>
+          <a:off x="0" y="0"/>
+          <a:ext cx="0" cy="0"/>
+          <a:chOff x="0" y="0"/>
+          <a:chExt cx="0" cy="0"/>
+        </a:xfrm>
+      </p:grpSpPr>
+      <p:sp>
+        <p:nvSpPr>
+          <p:cNvPr id="2" name="Título 1">
+            <a:extLst>
+              <a:ext uri="{FF2B5EF4-FFF2-40B4-BE49-F238E27FC236}">
                 <a16:creationId xmlns:a16="http://schemas.microsoft.com/office/drawing/2014/main" id="{2B837A76-9495-4084-936B-33F512F8608A}"/>
               </a:ext>
             </a:extLst>
@@ -15124,7 +15296,7 @@
 </p:sld>
 </file>
 
-<file path=ppt/slides/slide15.xml><?xml version="1.0" encoding="utf-8"?>
+<file path=ppt/slides/slide16.xml><?xml version="1.0" encoding="utf-8"?>
 <p:sld xmlns:a="http://schemas.openxmlformats.org/drawingml/2006/main" xmlns:r="http://schemas.openxmlformats.org/officeDocument/2006/relationships" xmlns:p="http://schemas.openxmlformats.org/presentationml/2006/main">
   <p:cSld>
     <p:spTree>
@@ -15539,7 +15711,7 @@
 </p:sld>
 </file>
 
-<file path=ppt/slides/slide16.xml><?xml version="1.0" encoding="utf-8"?>
+<file path=ppt/slides/slide17.xml><?xml version="1.0" encoding="utf-8"?>
 <p:sld xmlns:a="http://schemas.openxmlformats.org/drawingml/2006/main" xmlns:r="http://schemas.openxmlformats.org/officeDocument/2006/relationships" xmlns:p="http://schemas.openxmlformats.org/presentationml/2006/main">
   <p:cSld>
     <p:spTree>
@@ -15667,15 +15839,7 @@
           <a:p>
             <a:r>
               <a:rPr lang="es-ES" dirty="0"/>
-              <a:t>Detectar si es posible predecir algo tan complejo como la puntuación que obtendrá un jugador en </a:t>
-            </a:r>
-            <a:r>
-              <a:rPr lang="es-ES" dirty="0" err="1"/>
-              <a:t>Comunio</a:t>
-            </a:r>
-            <a:r>
-              <a:rPr lang="es-ES" dirty="0"/>
-              <a:t> en la siguiente jornada.</a:t>
+              <a:t>Predecir la puntuación que obtendrá un jugador en Comunio en la siguiente jornada.</a:t>
             </a:r>
           </a:p>
           <a:p>
@@ -15687,14 +15851,14 @@
           <a:p>
             <a:r>
               <a:rPr lang="es-ES" dirty="0"/>
-              <a:t>¿Porqué digo que es un problema complejo?</a:t>
+              <a:t>Complejidad</a:t>
             </a:r>
           </a:p>
           <a:p>
             <a:pPr lvl="1"/>
             <a:r>
               <a:rPr lang="es-ES" dirty="0"/>
-              <a:t>Porque intervienen multitud de factores externos:</a:t>
+              <a:t>Multitud de factores externos:</a:t>
             </a:r>
           </a:p>
           <a:p>
@@ -15746,8 +15910,8 @@
         </p:blipFill>
         <p:spPr>
           <a:xfrm>
-            <a:off x="8237084" y="4800244"/>
-            <a:ext cx="2771775" cy="1647825"/>
+            <a:off x="7548464" y="3028950"/>
+            <a:ext cx="3540224" cy="2104669"/>
           </a:xfrm>
           <a:prstGeom prst="rect">
             <a:avLst/>
@@ -16081,80 +16245,6 @@
           <a:chExt cx="0" cy="0"/>
         </a:xfrm>
       </p:grpSpPr>
-      <p:sp>
-        <p:nvSpPr>
-          <p:cNvPr id="2" name="Título 1">
-            <a:extLst>
-              <a:ext uri="{FF2B5EF4-FFF2-40B4-BE49-F238E27FC236}">
-                <a16:creationId xmlns:a16="http://schemas.microsoft.com/office/drawing/2014/main" id="{AD376EB7-5E67-4165-A15E-A058C0D06E54}"/>
-              </a:ext>
-            </a:extLst>
-          </p:cNvPr>
-          <p:cNvSpPr>
-            <a:spLocks noGrp="1"/>
-          </p:cNvSpPr>
-          <p:nvPr>
-            <p:ph type="title"/>
-          </p:nvPr>
-        </p:nvSpPr>
-        <p:spPr>
-          <a:xfrm>
-            <a:off x="1870203" y="1105626"/>
-            <a:ext cx="7999315" cy="2323374"/>
-          </a:xfrm>
-        </p:spPr>
-        <p:txBody>
-          <a:bodyPr/>
-          <a:lstStyle/>
-          <a:p>
-            <a:r>
-              <a:rPr lang="es-ES" dirty="0"/>
-              <a:t>España es un país con casi 47 millones de entrenadores</a:t>
-            </a:r>
-          </a:p>
-        </p:txBody>
-      </p:sp>
-      <p:sp>
-        <p:nvSpPr>
-          <p:cNvPr id="4" name="Marcador de texto 3">
-            <a:extLst>
-              <a:ext uri="{FF2B5EF4-FFF2-40B4-BE49-F238E27FC236}">
-                <a16:creationId xmlns:a16="http://schemas.microsoft.com/office/drawing/2014/main" id="{332EA31D-A30B-4B95-B4FA-5BDDC075ADCE}"/>
-              </a:ext>
-            </a:extLst>
-          </p:cNvPr>
-          <p:cNvSpPr>
-            <a:spLocks noGrp="1"/>
-          </p:cNvSpPr>
-          <p:nvPr>
-            <p:ph type="body" sz="half" idx="2"/>
-          </p:nvPr>
-        </p:nvSpPr>
-        <p:spPr>
-          <a:xfrm>
-            <a:off x="1154954" y="4350657"/>
-            <a:ext cx="9050403" cy="1676400"/>
-          </a:xfrm>
-        </p:spPr>
-        <p:txBody>
-          <a:bodyPr>
-            <a:normAutofit/>
-          </a:bodyPr>
-          <a:lstStyle/>
-          <a:p>
-            <a:pPr algn="ctr"/>
-            <a:r>
-              <a:rPr lang="es-ES" sz="7200" b="1">
-                <a:latin typeface="+mn-lt"/>
-              </a:rPr>
-              <a:t>¿Qué es Comunio?</a:t>
-            </a:r>
-            <a:endParaRPr lang="es-ES" sz="7200" b="1" dirty="0">
-              <a:latin typeface="+mn-lt"/>
-            </a:endParaRPr>
-          </a:p>
-        </p:txBody>
-      </p:sp>
       <p:pic>
         <p:nvPicPr>
           <p:cNvPr id="9" name="Imagen 8" descr="Foto montaje de la cara de un hombre&#10;&#10;Descripción generada automáticamente con confianza media">
@@ -16177,14 +16267,50 @@
         </p:blipFill>
         <p:spPr>
           <a:xfrm>
-            <a:off x="6155872" y="2566139"/>
-            <a:ext cx="3214279" cy="2319104"/>
+            <a:off x="3257551" y="2051788"/>
+            <a:ext cx="4980214" cy="3593227"/>
           </a:xfrm>
           <a:prstGeom prst="rect">
             <a:avLst/>
           </a:prstGeom>
         </p:spPr>
       </p:pic>
+      <p:sp>
+        <p:nvSpPr>
+          <p:cNvPr id="5" name="Título 4">
+            <a:extLst>
+              <a:ext uri="{FF2B5EF4-FFF2-40B4-BE49-F238E27FC236}">
+                <a16:creationId xmlns:a16="http://schemas.microsoft.com/office/drawing/2014/main" id="{A7A4C295-F57E-361A-9E51-931E0183D08D}"/>
+              </a:ext>
+            </a:extLst>
+          </p:cNvPr>
+          <p:cNvSpPr>
+            <a:spLocks noGrp="1"/>
+          </p:cNvSpPr>
+          <p:nvPr>
+            <p:ph type="title"/>
+          </p:nvPr>
+        </p:nvSpPr>
+        <p:spPr/>
+        <p:txBody>
+          <a:bodyPr/>
+          <a:lstStyle/>
+          <a:p>
+            <a:r>
+              <a:rPr lang="es-ES" sz="4400" b="1" dirty="0">
+                <a:latin typeface="+mn-lt"/>
+              </a:rPr>
+              <a:t>¿Qué es Comunio?</a:t>
+            </a:r>
+            <a:br>
+              <a:rPr lang="es-ES" sz="4400" b="1" dirty="0">
+                <a:latin typeface="+mn-lt"/>
+              </a:rPr>
+            </a:br>
+            <a:endParaRPr lang="es-ES" dirty="0"/>
+          </a:p>
+        </p:txBody>
+      </p:sp>
     </p:spTree>
     <p:extLst>
       <p:ext uri="{BB962C8B-B14F-4D97-AF65-F5344CB8AC3E}">
@@ -16216,7 +16342,7 @@
                             </p:stCondLst>
                             <p:childTnLst>
                               <p:par>
-                                <p:cTn id="5" presetID="1" presetClass="entr" presetSubtype="0" fill="hold" grpId="0" nodeType="clickEffect">
+                                <p:cTn id="5" presetID="1" presetClass="entr" presetSubtype="0" fill="hold" nodeType="clickEffect">
                                   <p:stCondLst>
                                     <p:cond delay="0"/>
                                   </p:stCondLst>
@@ -16224,100 +16350,6 @@
                                     <p:set>
                                       <p:cBhvr>
                                         <p:cTn id="6" dur="1" fill="hold">
-                                          <p:stCondLst>
-                                            <p:cond delay="0"/>
-                                          </p:stCondLst>
-                                        </p:cTn>
-                                        <p:tgtEl>
-                                          <p:spTgt spid="4">
-                                            <p:txEl>
-                                              <p:pRg st="0" end="0"/>
-                                            </p:txEl>
-                                          </p:spTgt>
-                                        </p:tgtEl>
-                                        <p:attrNameLst>
-                                          <p:attrName>style.visibility</p:attrName>
-                                        </p:attrNameLst>
-                                      </p:cBhvr>
-                                      <p:to>
-                                        <p:strVal val="visible"/>
-                                      </p:to>
-                                    </p:set>
-                                  </p:childTnLst>
-                                </p:cTn>
-                              </p:par>
-                            </p:childTnLst>
-                          </p:cTn>
-                        </p:par>
-                      </p:childTnLst>
-                    </p:cTn>
-                  </p:par>
-                  <p:par>
-                    <p:cTn id="7" fill="hold">
-                      <p:stCondLst>
-                        <p:cond delay="indefinite"/>
-                      </p:stCondLst>
-                      <p:childTnLst>
-                        <p:par>
-                          <p:cTn id="8" fill="hold">
-                            <p:stCondLst>
-                              <p:cond delay="0"/>
-                            </p:stCondLst>
-                            <p:childTnLst>
-                              <p:par>
-                                <p:cTn id="9" presetID="1" presetClass="entr" presetSubtype="0" fill="hold" grpId="0" nodeType="clickEffect">
-                                  <p:stCondLst>
-                                    <p:cond delay="0"/>
-                                  </p:stCondLst>
-                                  <p:childTnLst>
-                                    <p:set>
-                                      <p:cBhvr>
-                                        <p:cTn id="10" dur="1" fill="hold">
-                                          <p:stCondLst>
-                                            <p:cond delay="0"/>
-                                          </p:stCondLst>
-                                        </p:cTn>
-                                        <p:tgtEl>
-                                          <p:spTgt spid="2"/>
-                                        </p:tgtEl>
-                                        <p:attrNameLst>
-                                          <p:attrName>style.visibility</p:attrName>
-                                        </p:attrNameLst>
-                                      </p:cBhvr>
-                                      <p:to>
-                                        <p:strVal val="visible"/>
-                                      </p:to>
-                                    </p:set>
-                                  </p:childTnLst>
-                                </p:cTn>
-                              </p:par>
-                            </p:childTnLst>
-                          </p:cTn>
-                        </p:par>
-                      </p:childTnLst>
-                    </p:cTn>
-                  </p:par>
-                  <p:par>
-                    <p:cTn id="11" fill="hold">
-                      <p:stCondLst>
-                        <p:cond delay="indefinite"/>
-                      </p:stCondLst>
-                      <p:childTnLst>
-                        <p:par>
-                          <p:cTn id="12" fill="hold">
-                            <p:stCondLst>
-                              <p:cond delay="0"/>
-                            </p:stCondLst>
-                            <p:childTnLst>
-                              <p:par>
-                                <p:cTn id="13" presetID="1" presetClass="entr" presetSubtype="0" fill="hold" nodeType="clickEffect">
-                                  <p:stCondLst>
-                                    <p:cond delay="0"/>
-                                  </p:stCondLst>
-                                  <p:childTnLst>
-                                    <p:set>
-                                      <p:cBhvr>
-                                        <p:cTn id="14" dur="1" fill="hold">
                                           <p:stCondLst>
                                             <p:cond delay="0"/>
                                           </p:stCondLst>
@@ -16363,10 +16395,6 @@
         </p:cTn>
       </p:par>
     </p:tnLst>
-    <p:bldLst>
-      <p:bldP spid="2" grpId="0"/>
-      <p:bldP spid="4" grpId="0" build="p"/>
-    </p:bldLst>
   </p:timing>
 </p:sld>
 </file>
@@ -19404,15 +19432,15 @@
           <a:p>
             <a:r>
               <a:rPr lang="es-ES" dirty="0"/>
-              <a:t>Guardaremos los datos de todas las jornadas en un </a:t>
+              <a:t>Guardaremos los datos de todas las jornadas creando de esta forma un data </a:t>
             </a:r>
             <a:r>
               <a:rPr lang="es-ES" dirty="0" err="1"/>
-              <a:t>datalake</a:t>
+              <a:t>warehouse</a:t>
             </a:r>
             <a:r>
               <a:rPr lang="es-ES" dirty="0"/>
-              <a:t>, desde el que podamos alimentar nuestros modelos, o nuestra API en el caso de querer montar una.</a:t>
+              <a:t> del que podamos servirnos en un futuro.</a:t>
             </a:r>
           </a:p>
         </p:txBody>
@@ -19478,11 +19506,11 @@
           <a:p>
             <a:r>
               <a:rPr lang="es-ES" dirty="0"/>
-              <a:t>Desde nuestro </a:t>
+              <a:t>Desde nuestro data </a:t>
             </a:r>
             <a:r>
               <a:rPr lang="es-ES" dirty="0" err="1"/>
-              <a:t>datalake</a:t>
+              <a:t>warehouse</a:t>
             </a:r>
             <a:r>
               <a:rPr lang="es-ES" dirty="0"/>
@@ -19510,19 +19538,7 @@
               <a:rPr lang="es-ES" dirty="0">
                 <a:hlinkClick r:id="rId2"/>
               </a:rPr>
-              <a:t>EDA </a:t>
-            </a:r>
-            <a:r>
-              <a:rPr lang="es-ES" dirty="0" err="1">
-                <a:hlinkClick r:id="rId2"/>
-              </a:rPr>
-              <a:t>Comunio</a:t>
-            </a:r>
-            <a:r>
-              <a:rPr lang="es-ES" dirty="0">
-                <a:hlinkClick r:id="rId2"/>
-              </a:rPr>
-              <a:t>.</a:t>
+              <a:t>EDA Comunio.</a:t>
             </a:r>
             <a:endParaRPr lang="es-ES" dirty="0"/>
           </a:p>
@@ -23632,15 +23648,6 @@
 </file>
 
 <file path=customXml/item1.xml><?xml version="1.0" encoding="utf-8"?>
-<p:properties xmlns:p="http://schemas.microsoft.com/office/2006/metadata/properties" xmlns:xsi="http://www.w3.org/2001/XMLSchema-instance" xmlns:pc="http://schemas.microsoft.com/office/infopath/2007/PartnerControls">
-  <documentManagement>
-    <Status xmlns="71af3243-3dd4-4a8d-8c0d-dd76da1f02a5">Not started</Status>
-    <MediaServiceKeyPoints xmlns="71af3243-3dd4-4a8d-8c0d-dd76da1f02a5" xsi:nil="true"/>
-  </documentManagement>
-</p:properties>
-</file>
-
-<file path=customXml/item2.xml><?xml version="1.0" encoding="utf-8"?>
 <ct:contentTypeSchema xmlns:ct="http://schemas.microsoft.com/office/2006/metadata/contentType" xmlns:ma="http://schemas.microsoft.com/office/2006/metadata/properties/metaAttributes" ct:_="" ma:_="" ma:contentTypeName="Document" ma:contentTypeID="0x01010079F111ED35F8CC479449609E8A0923A6" ma:contentTypeVersion="12" ma:contentTypeDescription="Create a new document." ma:contentTypeScope="" ma:versionID="426e97fa315356fffbdcd9876fe988c2">
   <xsd:schema xmlns:xsd="http://www.w3.org/2001/XMLSchema" xmlns:xs="http://www.w3.org/2001/XMLSchema" xmlns:p="http://schemas.microsoft.com/office/2006/metadata/properties" xmlns:ns2="71af3243-3dd4-4a8d-8c0d-dd76da1f02a5" xmlns:ns3="16c05727-aa75-4e4a-9b5f-8a80a1165891" targetNamespace="http://schemas.microsoft.com/office/2006/metadata/properties" ma:root="true" ma:fieldsID="14b8f0def80e6d70ce3def20c90759ae" ns2:_="" ns3:_="">
     <xsd:import namespace="71af3243-3dd4-4a8d-8c0d-dd76da1f02a5"/>
@@ -23861,6 +23868,15 @@
 </ct:contentTypeSchema>
 </file>
 
+<file path=customXml/item2.xml><?xml version="1.0" encoding="utf-8"?>
+<p:properties xmlns:p="http://schemas.microsoft.com/office/2006/metadata/properties" xmlns:xsi="http://www.w3.org/2001/XMLSchema-instance" xmlns:pc="http://schemas.microsoft.com/office/infopath/2007/PartnerControls">
+  <documentManagement>
+    <Status xmlns="71af3243-3dd4-4a8d-8c0d-dd76da1f02a5">Not started</Status>
+    <MediaServiceKeyPoints xmlns="71af3243-3dd4-4a8d-8c0d-dd76da1f02a5" xsi:nil="true"/>
+  </documentManagement>
+</p:properties>
+</file>
+
 <file path=customXml/item3.xml><?xml version="1.0" encoding="utf-8"?>
 <?mso-contentType ?>
 <FormTemplates xmlns="http://schemas.microsoft.com/sharepoint/v3/contenttype/forms">
@@ -23871,16 +23887,6 @@
 </file>
 
 <file path=customXml/itemProps1.xml><?xml version="1.0" encoding="utf-8"?>
-<ds:datastoreItem xmlns:ds="http://schemas.openxmlformats.org/officeDocument/2006/customXml" ds:itemID="{B211B2B9-8CE5-4E5A-B70F-6B056FE844E8}">
-  <ds:schemaRefs>
-    <ds:schemaRef ds:uri="http://schemas.microsoft.com/office/2006/metadata/properties"/>
-    <ds:schemaRef ds:uri="http://schemas.microsoft.com/office/infopath/2007/PartnerControls"/>
-    <ds:schemaRef ds:uri="71af3243-3dd4-4a8d-8c0d-dd76da1f02a5"/>
-  </ds:schemaRefs>
-</ds:datastoreItem>
-</file>
-
-<file path=customXml/itemProps2.xml><?xml version="1.0" encoding="utf-8"?>
 <ds:datastoreItem xmlns:ds="http://schemas.openxmlformats.org/officeDocument/2006/customXml" ds:itemID="{5055BC56-8FA3-435B-ACDD-0E8E6241EF63}">
   <ds:schemaRefs>
     <ds:schemaRef ds:uri="http://schemas.microsoft.com/office/2006/metadata/contentType"/>
@@ -23899,6 +23905,16 @@
 </ds:datastoreItem>
 </file>
 
+<file path=customXml/itemProps2.xml><?xml version="1.0" encoding="utf-8"?>
+<ds:datastoreItem xmlns:ds="http://schemas.openxmlformats.org/officeDocument/2006/customXml" ds:itemID="{B211B2B9-8CE5-4E5A-B70F-6B056FE844E8}">
+  <ds:schemaRefs>
+    <ds:schemaRef ds:uri="http://schemas.microsoft.com/office/2006/metadata/properties"/>
+    <ds:schemaRef ds:uri="http://schemas.microsoft.com/office/infopath/2007/PartnerControls"/>
+    <ds:schemaRef ds:uri="71af3243-3dd4-4a8d-8c0d-dd76da1f02a5"/>
+  </ds:schemaRefs>
+</ds:datastoreItem>
+</file>
+
 <file path=customXml/itemProps3.xml><?xml version="1.0" encoding="utf-8"?>
 <ds:datastoreItem xmlns:ds="http://schemas.openxmlformats.org/officeDocument/2006/customXml" ds:itemID="{466BA265-3C9C-41FF-80C6-61A7F961C0DC}">
   <ds:schemaRefs>

--- a/ML_Project.pptx
+++ b/ML_Project.pptx
@@ -6,10 +6,10 @@
     <p:sldMasterId id="2147483691" r:id="rId5"/>
   </p:sldMasterIdLst>
   <p:notesMasterIdLst>
-    <p:notesMasterId r:id="rId23"/>
+    <p:notesMasterId r:id="rId24"/>
   </p:notesMasterIdLst>
   <p:handoutMasterIdLst>
-    <p:handoutMasterId r:id="rId24"/>
+    <p:handoutMasterId r:id="rId25"/>
   </p:handoutMasterIdLst>
   <p:sldIdLst>
     <p:sldId id="286" r:id="rId6"/>
@@ -26,9 +26,10 @@
     <p:sldId id="295" r:id="rId17"/>
     <p:sldId id="300" r:id="rId18"/>
     <p:sldId id="301" r:id="rId19"/>
-    <p:sldId id="287" r:id="rId20"/>
-    <p:sldId id="285" r:id="rId21"/>
-    <p:sldId id="293" r:id="rId22"/>
+    <p:sldId id="302" r:id="rId20"/>
+    <p:sldId id="287" r:id="rId21"/>
+    <p:sldId id="285" r:id="rId22"/>
+    <p:sldId id="293" r:id="rId23"/>
   </p:sldIdLst>
   <p:sldSz cx="12192000" cy="6858000"/>
   <p:notesSz cx="6858000" cy="9144000"/>
@@ -256,7 +257,7 @@
             <a:pPr rtl="0"/>
             <a:fld id="{CA031056-4FCB-4A2D-8961-F528C02E0335}" type="datetime1">
               <a:rPr lang="es-ES" smtClean="0"/>
-              <a:t>04/05/2022</a:t>
+              <a:t>05/05/2022</a:t>
             </a:fld>
             <a:endParaRPr lang="es-ES"/>
           </a:p>
@@ -438,7 +439,7 @@
             <a:fld id="{E6A1ED3A-6839-4688-9965-41A13FBB23DA}" type="datetime1">
               <a:rPr lang="es-ES" smtClean="0"/>
               <a:pPr/>
-              <a:t>04/05/2022</a:t>
+              <a:t>05/05/2022</a:t>
             </a:fld>
             <a:endParaRPr lang="es-ES" dirty="0"/>
           </a:p>
@@ -1464,7 +1465,7 @@
             <a:pPr rtl="0"/>
             <a:fld id="{AA56AE3B-6E27-4D3F-AACB-02038B3F9F4D}" type="datetime1">
               <a:rPr lang="es-ES" noProof="0" smtClean="0"/>
-              <a:t>04/05/2022</a:t>
+              <a:t>05/05/2022</a:t>
             </a:fld>
             <a:endParaRPr lang="es-ES" noProof="0"/>
           </a:p>
@@ -1747,7 +1748,7 @@
             <a:pPr rtl="0"/>
             <a:fld id="{AA56AE3B-6E27-4D3F-AACB-02038B3F9F4D}" type="datetime1">
               <a:rPr lang="es-ES" noProof="0" smtClean="0"/>
-              <a:t>04/05/2022</a:t>
+              <a:t>05/05/2022</a:t>
             </a:fld>
             <a:endParaRPr lang="es-ES" noProof="0"/>
           </a:p>
@@ -2026,7 +2027,7 @@
             <a:pPr rtl="0"/>
             <a:fld id="{AA56AE3B-6E27-4D3F-AACB-02038B3F9F4D}" type="datetime1">
               <a:rPr lang="es-ES" noProof="0" smtClean="0"/>
-              <a:t>04/05/2022</a:t>
+              <a:t>05/05/2022</a:t>
             </a:fld>
             <a:endParaRPr lang="es-ES" noProof="0"/>
           </a:p>
@@ -2305,7 +2306,7 @@
             <a:pPr rtl="0"/>
             <a:fld id="{AA56AE3B-6E27-4D3F-AACB-02038B3F9F4D}" type="datetime1">
               <a:rPr lang="es-ES" noProof="0" smtClean="0"/>
-              <a:t>04/05/2022</a:t>
+              <a:t>05/05/2022</a:t>
             </a:fld>
             <a:endParaRPr lang="es-ES" noProof="0"/>
           </a:p>
@@ -2503,7 +2504,7 @@
             <a:pPr rtl="0"/>
             <a:fld id="{AA56AE3B-6E27-4D3F-AACB-02038B3F9F4D}" type="datetime1">
               <a:rPr lang="es-ES" noProof="0" smtClean="0"/>
-              <a:t>04/05/2022</a:t>
+              <a:t>05/05/2022</a:t>
             </a:fld>
             <a:endParaRPr lang="es-ES" noProof="0"/>
           </a:p>
@@ -2780,7 +2781,7 @@
             <a:pPr rtl="0"/>
             <a:fld id="{AA56AE3B-6E27-4D3F-AACB-02038B3F9F4D}" type="datetime1">
               <a:rPr lang="es-ES" noProof="0" smtClean="0"/>
-              <a:t>04/05/2022</a:t>
+              <a:t>05/05/2022</a:t>
             </a:fld>
             <a:endParaRPr lang="es-ES" noProof="0"/>
           </a:p>
@@ -3125,7 +3126,7 @@
             <a:pPr rtl="0"/>
             <a:fld id="{AA56AE3B-6E27-4D3F-AACB-02038B3F9F4D}" type="datetime1">
               <a:rPr lang="es-ES" noProof="0" smtClean="0"/>
-              <a:t>04/05/2022</a:t>
+              <a:t>05/05/2022</a:t>
             </a:fld>
             <a:endParaRPr lang="es-ES" noProof="0"/>
           </a:p>
@@ -3752,7 +3753,7 @@
             <a:pPr rtl="0"/>
             <a:fld id="{AA56AE3B-6E27-4D3F-AACB-02038B3F9F4D}" type="datetime1">
               <a:rPr lang="es-ES" noProof="0" smtClean="0"/>
-              <a:t>04/05/2022</a:t>
+              <a:t>05/05/2022</a:t>
             </a:fld>
             <a:endParaRPr lang="es-ES" noProof="0"/>
           </a:p>
@@ -4616,7 +4617,7 @@
             <a:pPr rtl="0"/>
             <a:fld id="{AA56AE3B-6E27-4D3F-AACB-02038B3F9F4D}" type="datetime1">
               <a:rPr lang="es-ES" noProof="0" smtClean="0"/>
-              <a:t>04/05/2022</a:t>
+              <a:t>05/05/2022</a:t>
             </a:fld>
             <a:endParaRPr lang="es-ES" noProof="0"/>
           </a:p>
@@ -4790,7 +4791,7 @@
             <a:pPr rtl="0"/>
             <a:fld id="{AA56AE3B-6E27-4D3F-AACB-02038B3F9F4D}" type="datetime1">
               <a:rPr lang="es-ES" noProof="0" smtClean="0"/>
-              <a:t>04/05/2022</a:t>
+              <a:t>05/05/2022</a:t>
             </a:fld>
             <a:endParaRPr lang="es-ES" noProof="0"/>
           </a:p>
@@ -6112,7 +6113,7 @@
             <a:pPr rtl="0"/>
             <a:fld id="{AA56AE3B-6E27-4D3F-AACB-02038B3F9F4D}" type="datetime1">
               <a:rPr lang="es-ES" noProof="0" smtClean="0"/>
-              <a:t>04/05/2022</a:t>
+              <a:t>05/05/2022</a:t>
             </a:fld>
             <a:endParaRPr lang="es-ES" noProof="0"/>
           </a:p>
@@ -9762,7 +9763,7 @@
             <a:pPr rtl="0"/>
             <a:fld id="{AA56AE3B-6E27-4D3F-AACB-02038B3F9F4D}" type="datetime1">
               <a:rPr lang="es-ES" noProof="0" smtClean="0"/>
-              <a:t>04/05/2022</a:t>
+              <a:t>05/05/2022</a:t>
             </a:fld>
             <a:endParaRPr lang="es-ES" noProof="0"/>
           </a:p>
@@ -9936,7 +9937,7 @@
             <a:pPr rtl="0"/>
             <a:fld id="{AA56AE3B-6E27-4D3F-AACB-02038B3F9F4D}" type="datetime1">
               <a:rPr lang="es-ES" noProof="0" smtClean="0"/>
-              <a:t>04/05/2022</a:t>
+              <a:t>05/05/2022</a:t>
             </a:fld>
             <a:endParaRPr lang="es-ES" noProof="0"/>
           </a:p>
@@ -10187,7 +10188,7 @@
             <a:pPr rtl="0"/>
             <a:fld id="{AA56AE3B-6E27-4D3F-AACB-02038B3F9F4D}" type="datetime1">
               <a:rPr lang="es-ES" noProof="0" smtClean="0"/>
-              <a:t>04/05/2022</a:t>
+              <a:t>05/05/2022</a:t>
             </a:fld>
             <a:endParaRPr lang="es-ES" noProof="0"/>
           </a:p>
@@ -10483,7 +10484,7 @@
             <a:pPr rtl="0"/>
             <a:fld id="{AA56AE3B-6E27-4D3F-AACB-02038B3F9F4D}" type="datetime1">
               <a:rPr lang="es-ES" noProof="0" smtClean="0"/>
-              <a:t>04/05/2022</a:t>
+              <a:t>05/05/2022</a:t>
             </a:fld>
             <a:endParaRPr lang="es-ES" noProof="0"/>
           </a:p>
@@ -10931,7 +10932,7 @@
             <a:pPr rtl="0"/>
             <a:fld id="{AA56AE3B-6E27-4D3F-AACB-02038B3F9F4D}" type="datetime1">
               <a:rPr lang="es-ES" noProof="0" smtClean="0"/>
-              <a:t>04/05/2022</a:t>
+              <a:t>05/05/2022</a:t>
             </a:fld>
             <a:endParaRPr lang="es-ES" noProof="0"/>
           </a:p>
@@ -11053,7 +11054,7 @@
             <a:pPr rtl="0"/>
             <a:fld id="{AA56AE3B-6E27-4D3F-AACB-02038B3F9F4D}" type="datetime1">
               <a:rPr lang="es-ES" noProof="0" smtClean="0"/>
-              <a:t>04/05/2022</a:t>
+              <a:t>05/05/2022</a:t>
             </a:fld>
             <a:endParaRPr lang="es-ES" noProof="0"/>
           </a:p>
@@ -11287,7 +11288,7 @@
             <a:pPr rtl="0"/>
             <a:fld id="{AA56AE3B-6E27-4D3F-AACB-02038B3F9F4D}" type="datetime1">
               <a:rPr lang="es-ES" noProof="0" smtClean="0"/>
-              <a:t>04/05/2022</a:t>
+              <a:t>05/05/2022</a:t>
             </a:fld>
             <a:endParaRPr lang="es-ES" noProof="0"/>
           </a:p>
@@ -12051,7 +12052,7 @@
             <a:pPr rtl="0"/>
             <a:fld id="{AA56AE3B-6E27-4D3F-AACB-02038B3F9F4D}" type="datetime1">
               <a:rPr lang="es-ES" noProof="0" smtClean="0"/>
-              <a:t>04/05/2022</a:t>
+              <a:t>05/05/2022</a:t>
             </a:fld>
             <a:endParaRPr lang="es-ES" noProof="0"/>
           </a:p>
@@ -15193,13 +15194,136 @@
           <a:p>
             <a:pPr algn="ctr"/>
             <a:r>
-              <a:rPr lang="es-ES"/>
-              <a:t>Ejemplo alineación J 34</a:t>
-            </a:r>
+              <a:rPr lang="es-ES" dirty="0"/>
+              <a:t>Ejemplo alineación J 34 con rnn2</a:t>
+            </a:r>
+            <a:br>
+              <a:rPr lang="es-ES" dirty="0"/>
+            </a:br>
             <a:endParaRPr lang="es-ES" dirty="0"/>
           </a:p>
         </p:txBody>
       </p:sp>
+      <p:pic>
+        <p:nvPicPr>
+          <p:cNvPr id="4" name="Imagen 3" descr="Tabla&#10;&#10;Descripción generada automáticamente">
+            <a:extLst>
+              <a:ext uri="{FF2B5EF4-FFF2-40B4-BE49-F238E27FC236}">
+                <a16:creationId xmlns:a16="http://schemas.microsoft.com/office/drawing/2014/main" id="{004E9CA3-FED5-1CB6-12FC-5F3316F8F7D7}"/>
+              </a:ext>
+            </a:extLst>
+          </p:cNvPr>
+          <p:cNvPicPr>
+            <a:picLocks noChangeAspect="1"/>
+          </p:cNvPicPr>
+          <p:nvPr/>
+        </p:nvPicPr>
+        <p:blipFill>
+          <a:blip r:embed="rId2"/>
+          <a:stretch>
+            <a:fillRect/>
+          </a:stretch>
+        </p:blipFill>
+        <p:spPr>
+          <a:xfrm>
+            <a:off x="7123143" y="2268919"/>
+            <a:ext cx="3714169" cy="2686050"/>
+          </a:xfrm>
+          <a:prstGeom prst="rect">
+            <a:avLst/>
+          </a:prstGeom>
+        </p:spPr>
+      </p:pic>
+      <p:pic>
+        <p:nvPicPr>
+          <p:cNvPr id="6" name="Imagen 5" descr="Tabla&#10;&#10;Descripción generada automáticamente">
+            <a:extLst>
+              <a:ext uri="{FF2B5EF4-FFF2-40B4-BE49-F238E27FC236}">
+                <a16:creationId xmlns:a16="http://schemas.microsoft.com/office/drawing/2014/main" id="{23FECC05-E6E1-EE80-D6A9-BAF33DD890AF}"/>
+              </a:ext>
+            </a:extLst>
+          </p:cNvPr>
+          <p:cNvPicPr>
+            <a:picLocks noChangeAspect="1"/>
+          </p:cNvPicPr>
+          <p:nvPr/>
+        </p:nvPicPr>
+        <p:blipFill>
+          <a:blip r:embed="rId3"/>
+          <a:stretch>
+            <a:fillRect/>
+          </a:stretch>
+        </p:blipFill>
+        <p:spPr>
+          <a:xfrm>
+            <a:off x="1006246" y="2307019"/>
+            <a:ext cx="3648075" cy="2647950"/>
+          </a:xfrm>
+          <a:prstGeom prst="rect">
+            <a:avLst/>
+          </a:prstGeom>
+        </p:spPr>
+      </p:pic>
+      <p:pic>
+        <p:nvPicPr>
+          <p:cNvPr id="8" name="Imagen 7" descr="Texto&#10;&#10;Descripción generada automáticamente">
+            <a:extLst>
+              <a:ext uri="{FF2B5EF4-FFF2-40B4-BE49-F238E27FC236}">
+                <a16:creationId xmlns:a16="http://schemas.microsoft.com/office/drawing/2014/main" id="{0239680F-0EEF-10C8-8A38-BBA772204240}"/>
+              </a:ext>
+            </a:extLst>
+          </p:cNvPr>
+          <p:cNvPicPr>
+            <a:picLocks noChangeAspect="1"/>
+          </p:cNvPicPr>
+          <p:nvPr/>
+        </p:nvPicPr>
+        <p:blipFill>
+          <a:blip r:embed="rId4"/>
+          <a:stretch>
+            <a:fillRect/>
+          </a:stretch>
+        </p:blipFill>
+        <p:spPr>
+          <a:xfrm>
+            <a:off x="1779620" y="5408741"/>
+            <a:ext cx="2381250" cy="752475"/>
+          </a:xfrm>
+          <a:prstGeom prst="rect">
+            <a:avLst/>
+          </a:prstGeom>
+        </p:spPr>
+      </p:pic>
+      <p:pic>
+        <p:nvPicPr>
+          <p:cNvPr id="10" name="Imagen 9" descr="Imagen que contiene colgando, teclado, hecho de madera, computadora&#10;&#10;Descripción generada automáticamente">
+            <a:extLst>
+              <a:ext uri="{FF2B5EF4-FFF2-40B4-BE49-F238E27FC236}">
+                <a16:creationId xmlns:a16="http://schemas.microsoft.com/office/drawing/2014/main" id="{3E3B9CA3-6CE3-1240-5DF6-5E90725B180E}"/>
+              </a:ext>
+            </a:extLst>
+          </p:cNvPr>
+          <p:cNvPicPr>
+            <a:picLocks noChangeAspect="1"/>
+          </p:cNvPicPr>
+          <p:nvPr/>
+        </p:nvPicPr>
+        <p:blipFill>
+          <a:blip r:embed="rId5"/>
+          <a:stretch>
+            <a:fillRect/>
+          </a:stretch>
+        </p:blipFill>
+        <p:spPr>
+          <a:xfrm>
+            <a:off x="8010818" y="5408741"/>
+            <a:ext cx="2390775" cy="809625"/>
+          </a:xfrm>
+          <a:prstGeom prst="rect">
+            <a:avLst/>
+          </a:prstGeom>
+        </p:spPr>
+      </p:pic>
     </p:spTree>
     <p:extLst>
       <p:ext uri="{BB962C8B-B14F-4D97-AF65-F5344CB8AC3E}">
@@ -15235,6 +15359,193 @@
           <p:cNvPr id="2" name="Título 1">
             <a:extLst>
               <a:ext uri="{FF2B5EF4-FFF2-40B4-BE49-F238E27FC236}">
+                <a16:creationId xmlns:a16="http://schemas.microsoft.com/office/drawing/2014/main" id="{D3D3419E-A3D8-C96B-DFE5-B275D4CB917B}"/>
+              </a:ext>
+            </a:extLst>
+          </p:cNvPr>
+          <p:cNvSpPr>
+            <a:spLocks noGrp="1"/>
+          </p:cNvSpPr>
+          <p:nvPr>
+            <p:ph type="title"/>
+          </p:nvPr>
+        </p:nvSpPr>
+        <p:spPr/>
+        <p:txBody>
+          <a:bodyPr/>
+          <a:lstStyle/>
+          <a:p>
+            <a:pPr algn="ctr"/>
+            <a:r>
+              <a:rPr lang="es-ES" dirty="0"/>
+              <a:t>Ejemplo alineación J 34 con </a:t>
+            </a:r>
+            <a:r>
+              <a:rPr lang="es-ES" dirty="0" err="1"/>
+              <a:t>gb</a:t>
+            </a:r>
+            <a:br>
+              <a:rPr lang="es-ES" dirty="0"/>
+            </a:br>
+            <a:endParaRPr lang="es-ES" dirty="0"/>
+          </a:p>
+        </p:txBody>
+      </p:sp>
+      <p:pic>
+        <p:nvPicPr>
+          <p:cNvPr id="8" name="Imagen 7" descr="Texto&#10;&#10;Descripción generada automáticamente">
+            <a:extLst>
+              <a:ext uri="{FF2B5EF4-FFF2-40B4-BE49-F238E27FC236}">
+                <a16:creationId xmlns:a16="http://schemas.microsoft.com/office/drawing/2014/main" id="{0239680F-0EEF-10C8-8A38-BBA772204240}"/>
+              </a:ext>
+            </a:extLst>
+          </p:cNvPr>
+          <p:cNvPicPr>
+            <a:picLocks noChangeAspect="1"/>
+          </p:cNvPicPr>
+          <p:nvPr/>
+        </p:nvPicPr>
+        <p:blipFill>
+          <a:blip r:embed="rId2"/>
+          <a:stretch>
+            <a:fillRect/>
+          </a:stretch>
+        </p:blipFill>
+        <p:spPr>
+          <a:xfrm>
+            <a:off x="1562233" y="5437315"/>
+            <a:ext cx="2381250" cy="752475"/>
+          </a:xfrm>
+          <a:prstGeom prst="rect">
+            <a:avLst/>
+          </a:prstGeom>
+        </p:spPr>
+      </p:pic>
+      <p:pic>
+        <p:nvPicPr>
+          <p:cNvPr id="10" name="Imagen 9" descr="Imagen que contiene colgando, teclado, hecho de madera, computadora&#10;&#10;Descripción generada automáticamente">
+            <a:extLst>
+              <a:ext uri="{FF2B5EF4-FFF2-40B4-BE49-F238E27FC236}">
+                <a16:creationId xmlns:a16="http://schemas.microsoft.com/office/drawing/2014/main" id="{3E3B9CA3-6CE3-1240-5DF6-5E90725B180E}"/>
+              </a:ext>
+            </a:extLst>
+          </p:cNvPr>
+          <p:cNvPicPr>
+            <a:picLocks noChangeAspect="1"/>
+          </p:cNvPicPr>
+          <p:nvPr/>
+        </p:nvPicPr>
+        <p:blipFill>
+          <a:blip r:embed="rId3"/>
+          <a:stretch>
+            <a:fillRect/>
+          </a:stretch>
+        </p:blipFill>
+        <p:spPr>
+          <a:xfrm>
+            <a:off x="7660237" y="5380165"/>
+            <a:ext cx="2390775" cy="809625"/>
+          </a:xfrm>
+          <a:prstGeom prst="rect">
+            <a:avLst/>
+          </a:prstGeom>
+        </p:spPr>
+      </p:pic>
+      <p:pic>
+        <p:nvPicPr>
+          <p:cNvPr id="5" name="Imagen 4" descr="Tabla&#10;&#10;Descripción generada automáticamente">
+            <a:extLst>
+              <a:ext uri="{FF2B5EF4-FFF2-40B4-BE49-F238E27FC236}">
+                <a16:creationId xmlns:a16="http://schemas.microsoft.com/office/drawing/2014/main" id="{FD7CF84D-387D-544C-1746-D2CE7247A7EF}"/>
+              </a:ext>
+            </a:extLst>
+          </p:cNvPr>
+          <p:cNvPicPr>
+            <a:picLocks noChangeAspect="1"/>
+          </p:cNvPicPr>
+          <p:nvPr/>
+        </p:nvPicPr>
+        <p:blipFill>
+          <a:blip r:embed="rId4"/>
+          <a:stretch>
+            <a:fillRect/>
+          </a:stretch>
+        </p:blipFill>
+        <p:spPr>
+          <a:xfrm>
+            <a:off x="870857" y="1777048"/>
+            <a:ext cx="3764003" cy="2695575"/>
+          </a:xfrm>
+          <a:prstGeom prst="rect">
+            <a:avLst/>
+          </a:prstGeom>
+        </p:spPr>
+      </p:pic>
+      <p:pic>
+        <p:nvPicPr>
+          <p:cNvPr id="9" name="Imagen 8" descr="Tabla&#10;&#10;Descripción generada automáticamente">
+            <a:extLst>
+              <a:ext uri="{FF2B5EF4-FFF2-40B4-BE49-F238E27FC236}">
+                <a16:creationId xmlns:a16="http://schemas.microsoft.com/office/drawing/2014/main" id="{D66CED77-9670-0AF8-13F9-0F8C480D3101}"/>
+              </a:ext>
+            </a:extLst>
+          </p:cNvPr>
+          <p:cNvPicPr>
+            <a:picLocks noChangeAspect="1"/>
+          </p:cNvPicPr>
+          <p:nvPr/>
+        </p:nvPicPr>
+        <p:blipFill>
+          <a:blip r:embed="rId5"/>
+          <a:stretch>
+            <a:fillRect/>
+          </a:stretch>
+        </p:blipFill>
+        <p:spPr>
+          <a:xfrm>
+            <a:off x="6688688" y="1777048"/>
+            <a:ext cx="4333875" cy="2695575"/>
+          </a:xfrm>
+          <a:prstGeom prst="rect">
+            <a:avLst/>
+          </a:prstGeom>
+        </p:spPr>
+      </p:pic>
+    </p:spTree>
+    <p:extLst>
+      <p:ext uri="{BB962C8B-B14F-4D97-AF65-F5344CB8AC3E}">
+        <p14:creationId xmlns:p14="http://schemas.microsoft.com/office/powerpoint/2010/main" val="3690719857"/>
+      </p:ext>
+    </p:extLst>
+  </p:cSld>
+  <p:clrMapOvr>
+    <a:masterClrMapping/>
+  </p:clrMapOvr>
+</p:sld>
+</file>
+
+<file path=ppt/slides/slide16.xml><?xml version="1.0" encoding="utf-8"?>
+<p:sld xmlns:a="http://schemas.openxmlformats.org/drawingml/2006/main" xmlns:r="http://schemas.openxmlformats.org/officeDocument/2006/relationships" xmlns:p="http://schemas.openxmlformats.org/presentationml/2006/main">
+  <p:cSld>
+    <p:spTree>
+      <p:nvGrpSpPr>
+        <p:cNvPr id="1" name=""/>
+        <p:cNvGrpSpPr/>
+        <p:nvPr/>
+      </p:nvGrpSpPr>
+      <p:grpSpPr>
+        <a:xfrm>
+          <a:off x="0" y="0"/>
+          <a:ext cx="0" cy="0"/>
+          <a:chOff x="0" y="0"/>
+          <a:chExt cx="0" cy="0"/>
+        </a:xfrm>
+      </p:grpSpPr>
+      <p:sp>
+        <p:nvSpPr>
+          <p:cNvPr id="2" name="Título 1">
+            <a:extLst>
+              <a:ext uri="{FF2B5EF4-FFF2-40B4-BE49-F238E27FC236}">
                 <a16:creationId xmlns:a16="http://schemas.microsoft.com/office/drawing/2014/main" id="{2B837A76-9495-4084-936B-33F512F8608A}"/>
               </a:ext>
             </a:extLst>
@@ -15296,7 +15607,7 @@
 </p:sld>
 </file>
 
-<file path=ppt/slides/slide16.xml><?xml version="1.0" encoding="utf-8"?>
+<file path=ppt/slides/slide17.xml><?xml version="1.0" encoding="utf-8"?>
 <p:sld xmlns:a="http://schemas.openxmlformats.org/drawingml/2006/main" xmlns:r="http://schemas.openxmlformats.org/officeDocument/2006/relationships" xmlns:p="http://schemas.openxmlformats.org/presentationml/2006/main">
   <p:cSld>
     <p:spTree>
@@ -15711,7 +16022,7 @@
 </p:sld>
 </file>
 
-<file path=ppt/slides/slide17.xml><?xml version="1.0" encoding="utf-8"?>
+<file path=ppt/slides/slide18.xml><?xml version="1.0" encoding="utf-8"?>
 <p:sld xmlns:a="http://schemas.openxmlformats.org/drawingml/2006/main" xmlns:r="http://schemas.openxmlformats.org/officeDocument/2006/relationships" xmlns:p="http://schemas.openxmlformats.org/presentationml/2006/main">
   <p:cSld>
     <p:spTree>
@@ -23648,6 +23959,15 @@
 </file>
 
 <file path=customXml/item1.xml><?xml version="1.0" encoding="utf-8"?>
+<p:properties xmlns:p="http://schemas.microsoft.com/office/2006/metadata/properties" xmlns:xsi="http://www.w3.org/2001/XMLSchema-instance" xmlns:pc="http://schemas.microsoft.com/office/infopath/2007/PartnerControls">
+  <documentManagement>
+    <Status xmlns="71af3243-3dd4-4a8d-8c0d-dd76da1f02a5">Not started</Status>
+    <MediaServiceKeyPoints xmlns="71af3243-3dd4-4a8d-8c0d-dd76da1f02a5" xsi:nil="true"/>
+  </documentManagement>
+</p:properties>
+</file>
+
+<file path=customXml/item2.xml><?xml version="1.0" encoding="utf-8"?>
 <ct:contentTypeSchema xmlns:ct="http://schemas.microsoft.com/office/2006/metadata/contentType" xmlns:ma="http://schemas.microsoft.com/office/2006/metadata/properties/metaAttributes" ct:_="" ma:_="" ma:contentTypeName="Document" ma:contentTypeID="0x01010079F111ED35F8CC479449609E8A0923A6" ma:contentTypeVersion="12" ma:contentTypeDescription="Create a new document." ma:contentTypeScope="" ma:versionID="426e97fa315356fffbdcd9876fe988c2">
   <xsd:schema xmlns:xsd="http://www.w3.org/2001/XMLSchema" xmlns:xs="http://www.w3.org/2001/XMLSchema" xmlns:p="http://schemas.microsoft.com/office/2006/metadata/properties" xmlns:ns2="71af3243-3dd4-4a8d-8c0d-dd76da1f02a5" xmlns:ns3="16c05727-aa75-4e4a-9b5f-8a80a1165891" targetNamespace="http://schemas.microsoft.com/office/2006/metadata/properties" ma:root="true" ma:fieldsID="14b8f0def80e6d70ce3def20c90759ae" ns2:_="" ns3:_="">
     <xsd:import namespace="71af3243-3dd4-4a8d-8c0d-dd76da1f02a5"/>
@@ -23868,15 +24188,6 @@
 </ct:contentTypeSchema>
 </file>
 
-<file path=customXml/item2.xml><?xml version="1.0" encoding="utf-8"?>
-<p:properties xmlns:p="http://schemas.microsoft.com/office/2006/metadata/properties" xmlns:xsi="http://www.w3.org/2001/XMLSchema-instance" xmlns:pc="http://schemas.microsoft.com/office/infopath/2007/PartnerControls">
-  <documentManagement>
-    <Status xmlns="71af3243-3dd4-4a8d-8c0d-dd76da1f02a5">Not started</Status>
-    <MediaServiceKeyPoints xmlns="71af3243-3dd4-4a8d-8c0d-dd76da1f02a5" xsi:nil="true"/>
-  </documentManagement>
-</p:properties>
-</file>
-
 <file path=customXml/item3.xml><?xml version="1.0" encoding="utf-8"?>
 <?mso-contentType ?>
 <FormTemplates xmlns="http://schemas.microsoft.com/sharepoint/v3/contenttype/forms">
@@ -23887,6 +24198,16 @@
 </file>
 
 <file path=customXml/itemProps1.xml><?xml version="1.0" encoding="utf-8"?>
+<ds:datastoreItem xmlns:ds="http://schemas.openxmlformats.org/officeDocument/2006/customXml" ds:itemID="{B211B2B9-8CE5-4E5A-B70F-6B056FE844E8}">
+  <ds:schemaRefs>
+    <ds:schemaRef ds:uri="http://schemas.microsoft.com/office/2006/metadata/properties"/>
+    <ds:schemaRef ds:uri="http://schemas.microsoft.com/office/infopath/2007/PartnerControls"/>
+    <ds:schemaRef ds:uri="71af3243-3dd4-4a8d-8c0d-dd76da1f02a5"/>
+  </ds:schemaRefs>
+</ds:datastoreItem>
+</file>
+
+<file path=customXml/itemProps2.xml><?xml version="1.0" encoding="utf-8"?>
 <ds:datastoreItem xmlns:ds="http://schemas.openxmlformats.org/officeDocument/2006/customXml" ds:itemID="{5055BC56-8FA3-435B-ACDD-0E8E6241EF63}">
   <ds:schemaRefs>
     <ds:schemaRef ds:uri="http://schemas.microsoft.com/office/2006/metadata/contentType"/>
@@ -23905,16 +24226,6 @@
 </ds:datastoreItem>
 </file>
 
-<file path=customXml/itemProps2.xml><?xml version="1.0" encoding="utf-8"?>
-<ds:datastoreItem xmlns:ds="http://schemas.openxmlformats.org/officeDocument/2006/customXml" ds:itemID="{B211B2B9-8CE5-4E5A-B70F-6B056FE844E8}">
-  <ds:schemaRefs>
-    <ds:schemaRef ds:uri="http://schemas.microsoft.com/office/2006/metadata/properties"/>
-    <ds:schemaRef ds:uri="http://schemas.microsoft.com/office/infopath/2007/PartnerControls"/>
-    <ds:schemaRef ds:uri="71af3243-3dd4-4a8d-8c0d-dd76da1f02a5"/>
-  </ds:schemaRefs>
-</ds:datastoreItem>
-</file>
-
 <file path=customXml/itemProps3.xml><?xml version="1.0" encoding="utf-8"?>
 <ds:datastoreItem xmlns:ds="http://schemas.openxmlformats.org/officeDocument/2006/customXml" ds:itemID="{466BA265-3C9C-41FF-80C6-61A7F961C0DC}">
   <ds:schemaRefs>

--- a/ML_Project.pptx
+++ b/ML_Project.pptx
@@ -257,7 +257,7 @@
             <a:pPr rtl="0"/>
             <a:fld id="{CA031056-4FCB-4A2D-8961-F528C02E0335}" type="datetime1">
               <a:rPr lang="es-ES" smtClean="0"/>
-              <a:t>05/05/2022</a:t>
+              <a:t>06/05/2022</a:t>
             </a:fld>
             <a:endParaRPr lang="es-ES"/>
           </a:p>
@@ -439,7 +439,7 @@
             <a:fld id="{E6A1ED3A-6839-4688-9965-41A13FBB23DA}" type="datetime1">
               <a:rPr lang="es-ES" smtClean="0"/>
               <a:pPr/>
-              <a:t>05/05/2022</a:t>
+              <a:t>06/05/2022</a:t>
             </a:fld>
             <a:endParaRPr lang="es-ES" dirty="0"/>
           </a:p>
@@ -1465,7 +1465,7 @@
             <a:pPr rtl="0"/>
             <a:fld id="{AA56AE3B-6E27-4D3F-AACB-02038B3F9F4D}" type="datetime1">
               <a:rPr lang="es-ES" noProof="0" smtClean="0"/>
-              <a:t>05/05/2022</a:t>
+              <a:t>06/05/2022</a:t>
             </a:fld>
             <a:endParaRPr lang="es-ES" noProof="0"/>
           </a:p>
@@ -1748,7 +1748,7 @@
             <a:pPr rtl="0"/>
             <a:fld id="{AA56AE3B-6E27-4D3F-AACB-02038B3F9F4D}" type="datetime1">
               <a:rPr lang="es-ES" noProof="0" smtClean="0"/>
-              <a:t>05/05/2022</a:t>
+              <a:t>06/05/2022</a:t>
             </a:fld>
             <a:endParaRPr lang="es-ES" noProof="0"/>
           </a:p>
@@ -2027,7 +2027,7 @@
             <a:pPr rtl="0"/>
             <a:fld id="{AA56AE3B-6E27-4D3F-AACB-02038B3F9F4D}" type="datetime1">
               <a:rPr lang="es-ES" noProof="0" smtClean="0"/>
-              <a:t>05/05/2022</a:t>
+              <a:t>06/05/2022</a:t>
             </a:fld>
             <a:endParaRPr lang="es-ES" noProof="0"/>
           </a:p>
@@ -2306,7 +2306,7 @@
             <a:pPr rtl="0"/>
             <a:fld id="{AA56AE3B-6E27-4D3F-AACB-02038B3F9F4D}" type="datetime1">
               <a:rPr lang="es-ES" noProof="0" smtClean="0"/>
-              <a:t>05/05/2022</a:t>
+              <a:t>06/05/2022</a:t>
             </a:fld>
             <a:endParaRPr lang="es-ES" noProof="0"/>
           </a:p>
@@ -2504,7 +2504,7 @@
             <a:pPr rtl="0"/>
             <a:fld id="{AA56AE3B-6E27-4D3F-AACB-02038B3F9F4D}" type="datetime1">
               <a:rPr lang="es-ES" noProof="0" smtClean="0"/>
-              <a:t>05/05/2022</a:t>
+              <a:t>06/05/2022</a:t>
             </a:fld>
             <a:endParaRPr lang="es-ES" noProof="0"/>
           </a:p>
@@ -2781,7 +2781,7 @@
             <a:pPr rtl="0"/>
             <a:fld id="{AA56AE3B-6E27-4D3F-AACB-02038B3F9F4D}" type="datetime1">
               <a:rPr lang="es-ES" noProof="0" smtClean="0"/>
-              <a:t>05/05/2022</a:t>
+              <a:t>06/05/2022</a:t>
             </a:fld>
             <a:endParaRPr lang="es-ES" noProof="0"/>
           </a:p>
@@ -3126,7 +3126,7 @@
             <a:pPr rtl="0"/>
             <a:fld id="{AA56AE3B-6E27-4D3F-AACB-02038B3F9F4D}" type="datetime1">
               <a:rPr lang="es-ES" noProof="0" smtClean="0"/>
-              <a:t>05/05/2022</a:t>
+              <a:t>06/05/2022</a:t>
             </a:fld>
             <a:endParaRPr lang="es-ES" noProof="0"/>
           </a:p>
@@ -3753,7 +3753,7 @@
             <a:pPr rtl="0"/>
             <a:fld id="{AA56AE3B-6E27-4D3F-AACB-02038B3F9F4D}" type="datetime1">
               <a:rPr lang="es-ES" noProof="0" smtClean="0"/>
-              <a:t>05/05/2022</a:t>
+              <a:t>06/05/2022</a:t>
             </a:fld>
             <a:endParaRPr lang="es-ES" noProof="0"/>
           </a:p>
@@ -4617,7 +4617,7 @@
             <a:pPr rtl="0"/>
             <a:fld id="{AA56AE3B-6E27-4D3F-AACB-02038B3F9F4D}" type="datetime1">
               <a:rPr lang="es-ES" noProof="0" smtClean="0"/>
-              <a:t>05/05/2022</a:t>
+              <a:t>06/05/2022</a:t>
             </a:fld>
             <a:endParaRPr lang="es-ES" noProof="0"/>
           </a:p>
@@ -4791,7 +4791,7 @@
             <a:pPr rtl="0"/>
             <a:fld id="{AA56AE3B-6E27-4D3F-AACB-02038B3F9F4D}" type="datetime1">
               <a:rPr lang="es-ES" noProof="0" smtClean="0"/>
-              <a:t>05/05/2022</a:t>
+              <a:t>06/05/2022</a:t>
             </a:fld>
             <a:endParaRPr lang="es-ES" noProof="0"/>
           </a:p>
@@ -6113,7 +6113,7 @@
             <a:pPr rtl="0"/>
             <a:fld id="{AA56AE3B-6E27-4D3F-AACB-02038B3F9F4D}" type="datetime1">
               <a:rPr lang="es-ES" noProof="0" smtClean="0"/>
-              <a:t>05/05/2022</a:t>
+              <a:t>06/05/2022</a:t>
             </a:fld>
             <a:endParaRPr lang="es-ES" noProof="0"/>
           </a:p>
@@ -9763,7 +9763,7 @@
             <a:pPr rtl="0"/>
             <a:fld id="{AA56AE3B-6E27-4D3F-AACB-02038B3F9F4D}" type="datetime1">
               <a:rPr lang="es-ES" noProof="0" smtClean="0"/>
-              <a:t>05/05/2022</a:t>
+              <a:t>06/05/2022</a:t>
             </a:fld>
             <a:endParaRPr lang="es-ES" noProof="0"/>
           </a:p>
@@ -9937,7 +9937,7 @@
             <a:pPr rtl="0"/>
             <a:fld id="{AA56AE3B-6E27-4D3F-AACB-02038B3F9F4D}" type="datetime1">
               <a:rPr lang="es-ES" noProof="0" smtClean="0"/>
-              <a:t>05/05/2022</a:t>
+              <a:t>06/05/2022</a:t>
             </a:fld>
             <a:endParaRPr lang="es-ES" noProof="0"/>
           </a:p>
@@ -10188,7 +10188,7 @@
             <a:pPr rtl="0"/>
             <a:fld id="{AA56AE3B-6E27-4D3F-AACB-02038B3F9F4D}" type="datetime1">
               <a:rPr lang="es-ES" noProof="0" smtClean="0"/>
-              <a:t>05/05/2022</a:t>
+              <a:t>06/05/2022</a:t>
             </a:fld>
             <a:endParaRPr lang="es-ES" noProof="0"/>
           </a:p>
@@ -10484,7 +10484,7 @@
             <a:pPr rtl="0"/>
             <a:fld id="{AA56AE3B-6E27-4D3F-AACB-02038B3F9F4D}" type="datetime1">
               <a:rPr lang="es-ES" noProof="0" smtClean="0"/>
-              <a:t>05/05/2022</a:t>
+              <a:t>06/05/2022</a:t>
             </a:fld>
             <a:endParaRPr lang="es-ES" noProof="0"/>
           </a:p>
@@ -10932,7 +10932,7 @@
             <a:pPr rtl="0"/>
             <a:fld id="{AA56AE3B-6E27-4D3F-AACB-02038B3F9F4D}" type="datetime1">
               <a:rPr lang="es-ES" noProof="0" smtClean="0"/>
-              <a:t>05/05/2022</a:t>
+              <a:t>06/05/2022</a:t>
             </a:fld>
             <a:endParaRPr lang="es-ES" noProof="0"/>
           </a:p>
@@ -11054,7 +11054,7 @@
             <a:pPr rtl="0"/>
             <a:fld id="{AA56AE3B-6E27-4D3F-AACB-02038B3F9F4D}" type="datetime1">
               <a:rPr lang="es-ES" noProof="0" smtClean="0"/>
-              <a:t>05/05/2022</a:t>
+              <a:t>06/05/2022</a:t>
             </a:fld>
             <a:endParaRPr lang="es-ES" noProof="0"/>
           </a:p>
@@ -11288,7 +11288,7 @@
             <a:pPr rtl="0"/>
             <a:fld id="{AA56AE3B-6E27-4D3F-AACB-02038B3F9F4D}" type="datetime1">
               <a:rPr lang="es-ES" noProof="0" smtClean="0"/>
-              <a:t>05/05/2022</a:t>
+              <a:t>06/05/2022</a:t>
             </a:fld>
             <a:endParaRPr lang="es-ES" noProof="0"/>
           </a:p>
@@ -12052,7 +12052,7 @@
             <a:pPr rtl="0"/>
             <a:fld id="{AA56AE3B-6E27-4D3F-AACB-02038B3F9F4D}" type="datetime1">
               <a:rPr lang="es-ES" noProof="0" smtClean="0"/>
-              <a:t>05/05/2022</a:t>
+              <a:t>06/05/2022</a:t>
             </a:fld>
             <a:endParaRPr lang="es-ES" noProof="0"/>
           </a:p>
@@ -14571,10 +14571,10 @@
       </p:pic>
       <p:pic>
         <p:nvPicPr>
-          <p:cNvPr id="17" name="Imagen 16" descr="Gráfico, Histograma&#10;&#10;Descripción generada automáticamente">
+          <p:cNvPr id="19" name="Imagen 18" descr="Gráfico, Gráfico de barras, Histograma&#10;&#10;Descripción generada automáticamente">
             <a:extLst>
               <a:ext uri="{FF2B5EF4-FFF2-40B4-BE49-F238E27FC236}">
-                <a16:creationId xmlns:a16="http://schemas.microsoft.com/office/drawing/2014/main" id="{5C6596B6-8EDF-A877-25E5-BF737A38E4F8}"/>
+                <a16:creationId xmlns:a16="http://schemas.microsoft.com/office/drawing/2014/main" id="{C5C67966-F1D7-E456-A419-85D0803E31D2}"/>
               </a:ext>
             </a:extLst>
           </p:cNvPr>
@@ -14591,8 +14591,8 @@
         </p:blipFill>
         <p:spPr>
           <a:xfrm>
-            <a:off x="4201921" y="3337448"/>
-            <a:ext cx="3362325" cy="2447925"/>
+            <a:off x="8287537" y="1297495"/>
+            <a:ext cx="3258352" cy="2315627"/>
           </a:xfrm>
           <a:prstGeom prst="rect">
             <a:avLst/>
@@ -14601,10 +14601,10 @@
       </p:pic>
       <p:pic>
         <p:nvPicPr>
-          <p:cNvPr id="19" name="Imagen 18" descr="Gráfico, Gráfico de barras, Histograma&#10;&#10;Descripción generada automáticamente">
+          <p:cNvPr id="4" name="Imagen 3" descr="Gráfico, Histograma&#10;&#10;Descripción generada automáticamente">
             <a:extLst>
               <a:ext uri="{FF2B5EF4-FFF2-40B4-BE49-F238E27FC236}">
-                <a16:creationId xmlns:a16="http://schemas.microsoft.com/office/drawing/2014/main" id="{C5C67966-F1D7-E456-A419-85D0803E31D2}"/>
+                <a16:creationId xmlns:a16="http://schemas.microsoft.com/office/drawing/2014/main" id="{E8CC28D0-E36B-EF09-ED84-9426861F3F19}"/>
               </a:ext>
             </a:extLst>
           </p:cNvPr>
@@ -14621,8 +14621,8 @@
         </p:blipFill>
         <p:spPr>
           <a:xfrm>
-            <a:off x="8287537" y="1297495"/>
-            <a:ext cx="3258352" cy="2315627"/>
+            <a:off x="4054069" y="3429000"/>
+            <a:ext cx="3829584" cy="2553056"/>
           </a:xfrm>
           <a:prstGeom prst="rect">
             <a:avLst/>
@@ -14898,7 +14898,7 @@
                                           </p:stCondLst>
                                         </p:cTn>
                                         <p:tgtEl>
-                                          <p:spTgt spid="17"/>
+                                          <p:spTgt spid="4"/>
                                         </p:tgtEl>
                                         <p:attrNameLst>
                                           <p:attrName>style.visibility</p:attrName>
@@ -15296,10 +15296,10 @@
       </p:pic>
       <p:pic>
         <p:nvPicPr>
-          <p:cNvPr id="10" name="Imagen 9" descr="Imagen que contiene colgando, teclado, hecho de madera, computadora&#10;&#10;Descripción generada automáticamente">
+          <p:cNvPr id="5" name="Imagen 4" descr="Texto&#10;&#10;Descripción generada automáticamente">
             <a:extLst>
               <a:ext uri="{FF2B5EF4-FFF2-40B4-BE49-F238E27FC236}">
-                <a16:creationId xmlns:a16="http://schemas.microsoft.com/office/drawing/2014/main" id="{3E3B9CA3-6CE3-1240-5DF6-5E90725B180E}"/>
+                <a16:creationId xmlns:a16="http://schemas.microsoft.com/office/drawing/2014/main" id="{37A7C38C-B85B-77BE-C2CB-2A117A662ADB}"/>
               </a:ext>
             </a:extLst>
           </p:cNvPr>
@@ -15316,8 +15316,8 @@
         </p:blipFill>
         <p:spPr>
           <a:xfrm>
-            <a:off x="8010818" y="5408741"/>
-            <a:ext cx="2390775" cy="809625"/>
+            <a:off x="7824614" y="5218109"/>
+            <a:ext cx="2486372" cy="943107"/>
           </a:xfrm>
           <a:prstGeom prst="rect">
             <a:avLst/>
@@ -23959,15 +23959,6 @@
 </file>
 
 <file path=customXml/item1.xml><?xml version="1.0" encoding="utf-8"?>
-<p:properties xmlns:p="http://schemas.microsoft.com/office/2006/metadata/properties" xmlns:xsi="http://www.w3.org/2001/XMLSchema-instance" xmlns:pc="http://schemas.microsoft.com/office/infopath/2007/PartnerControls">
-  <documentManagement>
-    <Status xmlns="71af3243-3dd4-4a8d-8c0d-dd76da1f02a5">Not started</Status>
-    <MediaServiceKeyPoints xmlns="71af3243-3dd4-4a8d-8c0d-dd76da1f02a5" xsi:nil="true"/>
-  </documentManagement>
-</p:properties>
-</file>
-
-<file path=customXml/item2.xml><?xml version="1.0" encoding="utf-8"?>
 <ct:contentTypeSchema xmlns:ct="http://schemas.microsoft.com/office/2006/metadata/contentType" xmlns:ma="http://schemas.microsoft.com/office/2006/metadata/properties/metaAttributes" ct:_="" ma:_="" ma:contentTypeName="Document" ma:contentTypeID="0x01010079F111ED35F8CC479449609E8A0923A6" ma:contentTypeVersion="12" ma:contentTypeDescription="Create a new document." ma:contentTypeScope="" ma:versionID="426e97fa315356fffbdcd9876fe988c2">
   <xsd:schema xmlns:xsd="http://www.w3.org/2001/XMLSchema" xmlns:xs="http://www.w3.org/2001/XMLSchema" xmlns:p="http://schemas.microsoft.com/office/2006/metadata/properties" xmlns:ns2="71af3243-3dd4-4a8d-8c0d-dd76da1f02a5" xmlns:ns3="16c05727-aa75-4e4a-9b5f-8a80a1165891" targetNamespace="http://schemas.microsoft.com/office/2006/metadata/properties" ma:root="true" ma:fieldsID="14b8f0def80e6d70ce3def20c90759ae" ns2:_="" ns3:_="">
     <xsd:import namespace="71af3243-3dd4-4a8d-8c0d-dd76da1f02a5"/>
@@ -24188,6 +24179,15 @@
 </ct:contentTypeSchema>
 </file>
 
+<file path=customXml/item2.xml><?xml version="1.0" encoding="utf-8"?>
+<p:properties xmlns:p="http://schemas.microsoft.com/office/2006/metadata/properties" xmlns:xsi="http://www.w3.org/2001/XMLSchema-instance" xmlns:pc="http://schemas.microsoft.com/office/infopath/2007/PartnerControls">
+  <documentManagement>
+    <Status xmlns="71af3243-3dd4-4a8d-8c0d-dd76da1f02a5">Not started</Status>
+    <MediaServiceKeyPoints xmlns="71af3243-3dd4-4a8d-8c0d-dd76da1f02a5" xsi:nil="true"/>
+  </documentManagement>
+</p:properties>
+</file>
+
 <file path=customXml/item3.xml><?xml version="1.0" encoding="utf-8"?>
 <?mso-contentType ?>
 <FormTemplates xmlns="http://schemas.microsoft.com/sharepoint/v3/contenttype/forms">
@@ -24198,16 +24198,6 @@
 </file>
 
 <file path=customXml/itemProps1.xml><?xml version="1.0" encoding="utf-8"?>
-<ds:datastoreItem xmlns:ds="http://schemas.openxmlformats.org/officeDocument/2006/customXml" ds:itemID="{B211B2B9-8CE5-4E5A-B70F-6B056FE844E8}">
-  <ds:schemaRefs>
-    <ds:schemaRef ds:uri="http://schemas.microsoft.com/office/2006/metadata/properties"/>
-    <ds:schemaRef ds:uri="http://schemas.microsoft.com/office/infopath/2007/PartnerControls"/>
-    <ds:schemaRef ds:uri="71af3243-3dd4-4a8d-8c0d-dd76da1f02a5"/>
-  </ds:schemaRefs>
-</ds:datastoreItem>
-</file>
-
-<file path=customXml/itemProps2.xml><?xml version="1.0" encoding="utf-8"?>
 <ds:datastoreItem xmlns:ds="http://schemas.openxmlformats.org/officeDocument/2006/customXml" ds:itemID="{5055BC56-8FA3-435B-ACDD-0E8E6241EF63}">
   <ds:schemaRefs>
     <ds:schemaRef ds:uri="http://schemas.microsoft.com/office/2006/metadata/contentType"/>
@@ -24226,6 +24216,16 @@
 </ds:datastoreItem>
 </file>
 
+<file path=customXml/itemProps2.xml><?xml version="1.0" encoding="utf-8"?>
+<ds:datastoreItem xmlns:ds="http://schemas.openxmlformats.org/officeDocument/2006/customXml" ds:itemID="{B211B2B9-8CE5-4E5A-B70F-6B056FE844E8}">
+  <ds:schemaRefs>
+    <ds:schemaRef ds:uri="http://schemas.microsoft.com/office/2006/metadata/properties"/>
+    <ds:schemaRef ds:uri="http://schemas.microsoft.com/office/infopath/2007/PartnerControls"/>
+    <ds:schemaRef ds:uri="71af3243-3dd4-4a8d-8c0d-dd76da1f02a5"/>
+  </ds:schemaRefs>
+</ds:datastoreItem>
+</file>
+
 <file path=customXml/itemProps3.xml><?xml version="1.0" encoding="utf-8"?>
 <ds:datastoreItem xmlns:ds="http://schemas.openxmlformats.org/officeDocument/2006/customXml" ds:itemID="{466BA265-3C9C-41FF-80C6-61A7F961C0DC}">
   <ds:schemaRefs>

--- a/ML_Project.pptx
+++ b/ML_Project.pptx
@@ -12608,7 +12608,11 @@
           <a:p>
             <a:r>
               <a:rPr lang="es-ES" dirty="0"/>
-              <a:t>Comunio Helper</a:t>
+              <a:t>Comunio </a:t>
+            </a:r>
+            <a:r>
+              <a:rPr lang="es-ES" dirty="0" err="1"/>
+              <a:t>Assistant</a:t>
             </a:r>
             <a:br>
               <a:rPr lang="es-ES" dirty="0"/>
@@ -20741,6 +20745,96 @@
           </a:prstGeom>
         </p:spPr>
       </p:pic>
+      <p:pic>
+        <p:nvPicPr>
+          <p:cNvPr id="11" name="Imagen 10" descr="Texto&#10;&#10;Descripción generada automáticamente">
+            <a:extLst>
+              <a:ext uri="{FF2B5EF4-FFF2-40B4-BE49-F238E27FC236}">
+                <a16:creationId xmlns:a16="http://schemas.microsoft.com/office/drawing/2014/main" id="{1A1C93AE-F91E-DEAE-4521-E033FB61F087}"/>
+              </a:ext>
+            </a:extLst>
+          </p:cNvPr>
+          <p:cNvPicPr>
+            <a:picLocks noChangeAspect="1"/>
+          </p:cNvPicPr>
+          <p:nvPr/>
+        </p:nvPicPr>
+        <p:blipFill>
+          <a:blip r:embed="rId5"/>
+          <a:stretch>
+            <a:fillRect/>
+          </a:stretch>
+        </p:blipFill>
+        <p:spPr>
+          <a:xfrm>
+            <a:off x="5859891" y="546579"/>
+            <a:ext cx="2305372" cy="2410161"/>
+          </a:xfrm>
+          <a:prstGeom prst="rect">
+            <a:avLst/>
+          </a:prstGeom>
+        </p:spPr>
+      </p:pic>
+      <p:pic>
+        <p:nvPicPr>
+          <p:cNvPr id="13" name="Imagen 12" descr="Texto&#10;&#10;Descripción generada automáticamente">
+            <a:extLst>
+              <a:ext uri="{FF2B5EF4-FFF2-40B4-BE49-F238E27FC236}">
+                <a16:creationId xmlns:a16="http://schemas.microsoft.com/office/drawing/2014/main" id="{BD5B4E1E-A2AC-7733-E944-CBB767E8AB53}"/>
+              </a:ext>
+            </a:extLst>
+          </p:cNvPr>
+          <p:cNvPicPr>
+            <a:picLocks noChangeAspect="1"/>
+          </p:cNvPicPr>
+          <p:nvPr/>
+        </p:nvPicPr>
+        <p:blipFill>
+          <a:blip r:embed="rId6"/>
+          <a:stretch>
+            <a:fillRect/>
+          </a:stretch>
+        </p:blipFill>
+        <p:spPr>
+          <a:xfrm>
+            <a:off x="6644213" y="1336857"/>
+            <a:ext cx="2267266" cy="5344271"/>
+          </a:xfrm>
+          <a:prstGeom prst="rect">
+            <a:avLst/>
+          </a:prstGeom>
+        </p:spPr>
+      </p:pic>
+      <p:pic>
+        <p:nvPicPr>
+          <p:cNvPr id="4" name="Imagen 3" descr="Texto&#10;&#10;Descripción generada automáticamente con confianza baja">
+            <a:extLst>
+              <a:ext uri="{FF2B5EF4-FFF2-40B4-BE49-F238E27FC236}">
+                <a16:creationId xmlns:a16="http://schemas.microsoft.com/office/drawing/2014/main" id="{62740731-AFBA-2452-CFF8-CD4955AB657F}"/>
+              </a:ext>
+            </a:extLst>
+          </p:cNvPr>
+          <p:cNvPicPr>
+            <a:picLocks noChangeAspect="1"/>
+          </p:cNvPicPr>
+          <p:nvPr/>
+        </p:nvPicPr>
+        <p:blipFill>
+          <a:blip r:embed="rId7"/>
+          <a:stretch>
+            <a:fillRect/>
+          </a:stretch>
+        </p:blipFill>
+        <p:spPr>
+          <a:xfrm>
+            <a:off x="3050739" y="2424212"/>
+            <a:ext cx="2666097" cy="4256916"/>
+          </a:xfrm>
+          <a:prstGeom prst="rect">
+            <a:avLst/>
+          </a:prstGeom>
+        </p:spPr>
+      </p:pic>
     </p:spTree>
     <p:extLst>
       <p:ext uri="{BB962C8B-B14F-4D97-AF65-F5344CB8AC3E}">
@@ -20924,7 +21018,7 @@
                                           </p:stCondLst>
                                         </p:cTn>
                                         <p:tgtEl>
-                                          <p:spTgt spid="16"/>
+                                          <p:spTgt spid="4"/>
                                         </p:tgtEl>
                                         <p:attrNameLst>
                                           <p:attrName>style.visibility</p:attrName>
@@ -20956,7 +21050,7 @@
                             </p:stCondLst>
                             <p:childTnLst>
                               <p:par>
-                                <p:cTn id="21" presetID="1" presetClass="exit" presetSubtype="0" fill="hold" nodeType="clickEffect">
+                                <p:cTn id="21" presetID="1" presetClass="entr" presetSubtype="0" fill="hold" nodeType="clickEffect">
                                   <p:stCondLst>
                                     <p:cond delay="0"/>
                                   </p:stCondLst>
@@ -20964,6 +21058,202 @@
                                     <p:set>
                                       <p:cBhvr>
                                         <p:cTn id="22" dur="1" fill="hold">
+                                          <p:stCondLst>
+                                            <p:cond delay="0"/>
+                                          </p:stCondLst>
+                                        </p:cTn>
+                                        <p:tgtEl>
+                                          <p:spTgt spid="16"/>
+                                        </p:tgtEl>
+                                        <p:attrNameLst>
+                                          <p:attrName>style.visibility</p:attrName>
+                                        </p:attrNameLst>
+                                      </p:cBhvr>
+                                      <p:to>
+                                        <p:strVal val="visible"/>
+                                      </p:to>
+                                    </p:set>
+                                  </p:childTnLst>
+                                </p:cTn>
+                              </p:par>
+                            </p:childTnLst>
+                          </p:cTn>
+                        </p:par>
+                      </p:childTnLst>
+                    </p:cTn>
+                  </p:par>
+                  <p:par>
+                    <p:cTn id="23" fill="hold">
+                      <p:stCondLst>
+                        <p:cond delay="indefinite"/>
+                      </p:stCondLst>
+                      <p:childTnLst>
+                        <p:par>
+                          <p:cTn id="24" fill="hold">
+                            <p:stCondLst>
+                              <p:cond delay="0"/>
+                            </p:stCondLst>
+                            <p:childTnLst>
+                              <p:par>
+                                <p:cTn id="25" presetID="10" presetClass="exit" presetSubtype="0" fill="hold" nodeType="clickEffect">
+                                  <p:stCondLst>
+                                    <p:cond delay="0"/>
+                                  </p:stCondLst>
+                                  <p:childTnLst>
+                                    <p:animEffect transition="out" filter="fade">
+                                      <p:cBhvr>
+                                        <p:cTn id="26" dur="500"/>
+                                        <p:tgtEl>
+                                          <p:spTgt spid="4"/>
+                                        </p:tgtEl>
+                                      </p:cBhvr>
+                                    </p:animEffect>
+                                    <p:set>
+                                      <p:cBhvr>
+                                        <p:cTn id="27" dur="1" fill="hold">
+                                          <p:stCondLst>
+                                            <p:cond delay="499"/>
+                                          </p:stCondLst>
+                                        </p:cTn>
+                                        <p:tgtEl>
+                                          <p:spTgt spid="4"/>
+                                        </p:tgtEl>
+                                        <p:attrNameLst>
+                                          <p:attrName>style.visibility</p:attrName>
+                                        </p:attrNameLst>
+                                      </p:cBhvr>
+                                      <p:to>
+                                        <p:strVal val="hidden"/>
+                                      </p:to>
+                                    </p:set>
+                                  </p:childTnLst>
+                                </p:cTn>
+                              </p:par>
+                            </p:childTnLst>
+                          </p:cTn>
+                        </p:par>
+                      </p:childTnLst>
+                    </p:cTn>
+                  </p:par>
+                  <p:par>
+                    <p:cTn id="28" fill="hold">
+                      <p:stCondLst>
+                        <p:cond delay="indefinite"/>
+                      </p:stCondLst>
+                      <p:childTnLst>
+                        <p:par>
+                          <p:cTn id="29" fill="hold">
+                            <p:stCondLst>
+                              <p:cond delay="0"/>
+                            </p:stCondLst>
+                            <p:childTnLst>
+                              <p:par>
+                                <p:cTn id="30" presetID="10" presetClass="entr" presetSubtype="0" fill="hold" nodeType="clickEffect">
+                                  <p:stCondLst>
+                                    <p:cond delay="0"/>
+                                  </p:stCondLst>
+                                  <p:childTnLst>
+                                    <p:set>
+                                      <p:cBhvr>
+                                        <p:cTn id="31" dur="1" fill="hold">
+                                          <p:stCondLst>
+                                            <p:cond delay="0"/>
+                                          </p:stCondLst>
+                                        </p:cTn>
+                                        <p:tgtEl>
+                                          <p:spTgt spid="11"/>
+                                        </p:tgtEl>
+                                        <p:attrNameLst>
+                                          <p:attrName>style.visibility</p:attrName>
+                                        </p:attrNameLst>
+                                      </p:cBhvr>
+                                      <p:to>
+                                        <p:strVal val="visible"/>
+                                      </p:to>
+                                    </p:set>
+                                    <p:animEffect transition="in" filter="fade">
+                                      <p:cBhvr>
+                                        <p:cTn id="32" dur="500"/>
+                                        <p:tgtEl>
+                                          <p:spTgt spid="11"/>
+                                        </p:tgtEl>
+                                      </p:cBhvr>
+                                    </p:animEffect>
+                                  </p:childTnLst>
+                                </p:cTn>
+                              </p:par>
+                            </p:childTnLst>
+                          </p:cTn>
+                        </p:par>
+                      </p:childTnLst>
+                    </p:cTn>
+                  </p:par>
+                  <p:par>
+                    <p:cTn id="33" fill="hold">
+                      <p:stCondLst>
+                        <p:cond delay="indefinite"/>
+                      </p:stCondLst>
+                      <p:childTnLst>
+                        <p:par>
+                          <p:cTn id="34" fill="hold">
+                            <p:stCondLst>
+                              <p:cond delay="0"/>
+                            </p:stCondLst>
+                            <p:childTnLst>
+                              <p:par>
+                                <p:cTn id="35" presetID="1" presetClass="exit" presetSubtype="0" fill="hold" nodeType="clickEffect">
+                                  <p:stCondLst>
+                                    <p:cond delay="0"/>
+                                  </p:stCondLst>
+                                  <p:childTnLst>
+                                    <p:set>
+                                      <p:cBhvr>
+                                        <p:cTn id="36" dur="1" fill="hold">
+                                          <p:stCondLst>
+                                            <p:cond delay="0"/>
+                                          </p:stCondLst>
+                                        </p:cTn>
+                                        <p:tgtEl>
+                                          <p:spTgt spid="11"/>
+                                        </p:tgtEl>
+                                        <p:attrNameLst>
+                                          <p:attrName>style.visibility</p:attrName>
+                                        </p:attrNameLst>
+                                      </p:cBhvr>
+                                      <p:to>
+                                        <p:strVal val="hidden"/>
+                                      </p:to>
+                                    </p:set>
+                                  </p:childTnLst>
+                                </p:cTn>
+                              </p:par>
+                            </p:childTnLst>
+                          </p:cTn>
+                        </p:par>
+                      </p:childTnLst>
+                    </p:cTn>
+                  </p:par>
+                  <p:par>
+                    <p:cTn id="37" fill="hold">
+                      <p:stCondLst>
+                        <p:cond delay="indefinite"/>
+                      </p:stCondLst>
+                      <p:childTnLst>
+                        <p:par>
+                          <p:cTn id="38" fill="hold">
+                            <p:stCondLst>
+                              <p:cond delay="0"/>
+                            </p:stCondLst>
+                            <p:childTnLst>
+                              <p:par>
+                                <p:cTn id="39" presetID="1" presetClass="exit" presetSubtype="0" fill="hold" nodeType="clickEffect">
+                                  <p:stCondLst>
+                                    <p:cond delay="0"/>
+                                  </p:stCondLst>
+                                  <p:childTnLst>
+                                    <p:set>
+                                      <p:cBhvr>
+                                        <p:cTn id="40" dur="1" fill="hold">
                                           <p:stCondLst>
                                             <p:cond delay="0"/>
                                           </p:stCondLst>
@@ -20989,26 +21279,26 @@
                     </p:cTn>
                   </p:par>
                   <p:par>
-                    <p:cTn id="23" fill="hold">
+                    <p:cTn id="41" fill="hold">
                       <p:stCondLst>
                         <p:cond delay="indefinite"/>
                       </p:stCondLst>
                       <p:childTnLst>
                         <p:par>
-                          <p:cTn id="24" fill="hold">
+                          <p:cTn id="42" fill="hold">
                             <p:stCondLst>
                               <p:cond delay="0"/>
                             </p:stCondLst>
                             <p:childTnLst>
                               <p:par>
-                                <p:cTn id="25" presetID="1" presetClass="entr" presetSubtype="0" fill="hold" grpId="0" nodeType="clickEffect">
+                                <p:cTn id="43" presetID="1" presetClass="entr" presetSubtype="0" fill="hold" grpId="0" nodeType="clickEffect">
                                   <p:stCondLst>
                                     <p:cond delay="0"/>
                                   </p:stCondLst>
                                   <p:childTnLst>
                                     <p:set>
                                       <p:cBhvr>
-                                        <p:cTn id="26" dur="1" fill="hold">
+                                        <p:cTn id="44" dur="1" fill="hold">
                                           <p:stCondLst>
                                             <p:cond delay="0"/>
                                           </p:stCondLst>
@@ -21038,26 +21328,26 @@
                     </p:cTn>
                   </p:par>
                   <p:par>
-                    <p:cTn id="27" fill="hold">
+                    <p:cTn id="45" fill="hold">
                       <p:stCondLst>
                         <p:cond delay="indefinite"/>
                       </p:stCondLst>
                       <p:childTnLst>
                         <p:par>
-                          <p:cTn id="28" fill="hold">
+                          <p:cTn id="46" fill="hold">
                             <p:stCondLst>
                               <p:cond delay="0"/>
                             </p:stCondLst>
                             <p:childTnLst>
                               <p:par>
-                                <p:cTn id="29" presetID="1" presetClass="entr" presetSubtype="0" fill="hold" nodeType="clickEffect">
+                                <p:cTn id="47" presetID="1" presetClass="entr" presetSubtype="0" fill="hold" nodeType="clickEffect">
                                   <p:stCondLst>
                                     <p:cond delay="0"/>
                                   </p:stCondLst>
                                   <p:childTnLst>
                                     <p:set>
                                       <p:cBhvr>
-                                        <p:cTn id="30" dur="1" fill="hold">
+                                        <p:cTn id="48" dur="1" fill="hold">
                                           <p:stCondLst>
                                             <p:cond delay="0"/>
                                           </p:stCondLst>
@@ -21083,26 +21373,26 @@
                     </p:cTn>
                   </p:par>
                   <p:par>
-                    <p:cTn id="31" fill="hold">
+                    <p:cTn id="49" fill="hold">
                       <p:stCondLst>
                         <p:cond delay="indefinite"/>
                       </p:stCondLst>
                       <p:childTnLst>
                         <p:par>
-                          <p:cTn id="32" fill="hold">
+                          <p:cTn id="50" fill="hold">
                             <p:stCondLst>
                               <p:cond delay="0"/>
                             </p:stCondLst>
                             <p:childTnLst>
                               <p:par>
-                                <p:cTn id="33" presetID="1" presetClass="exit" presetSubtype="0" fill="hold" nodeType="clickEffect">
+                                <p:cTn id="51" presetID="1" presetClass="exit" presetSubtype="0" fill="hold" nodeType="clickEffect">
                                   <p:stCondLst>
                                     <p:cond delay="0"/>
                                   </p:stCondLst>
                                   <p:childTnLst>
                                     <p:set>
                                       <p:cBhvr>
-                                        <p:cTn id="34" dur="1" fill="hold">
+                                        <p:cTn id="52" dur="1" fill="hold">
                                           <p:stCondLst>
                                             <p:cond delay="0"/>
                                           </p:stCondLst>
@@ -21128,26 +21418,26 @@
                     </p:cTn>
                   </p:par>
                   <p:par>
-                    <p:cTn id="35" fill="hold">
+                    <p:cTn id="53" fill="hold">
                       <p:stCondLst>
                         <p:cond delay="indefinite"/>
                       </p:stCondLst>
                       <p:childTnLst>
                         <p:par>
-                          <p:cTn id="36" fill="hold">
+                          <p:cTn id="54" fill="hold">
                             <p:stCondLst>
                               <p:cond delay="0"/>
                             </p:stCondLst>
                             <p:childTnLst>
                               <p:par>
-                                <p:cTn id="37" presetID="1" presetClass="entr" presetSubtype="0" fill="hold" grpId="0" nodeType="clickEffect">
+                                <p:cTn id="55" presetID="1" presetClass="entr" presetSubtype="0" fill="hold" grpId="0" nodeType="clickEffect">
                                   <p:stCondLst>
                                     <p:cond delay="0"/>
                                   </p:stCondLst>
                                   <p:childTnLst>
                                     <p:set>
                                       <p:cBhvr>
-                                        <p:cTn id="38" dur="1" fill="hold">
+                                        <p:cTn id="56" dur="1" fill="hold">
                                           <p:stCondLst>
                                             <p:cond delay="0"/>
                                           </p:stCondLst>
@@ -21158,6 +21448,51 @@
                                               <p:pRg st="0" end="0"/>
                                             </p:txEl>
                                           </p:spTgt>
+                                        </p:tgtEl>
+                                        <p:attrNameLst>
+                                          <p:attrName>style.visibility</p:attrName>
+                                        </p:attrNameLst>
+                                      </p:cBhvr>
+                                      <p:to>
+                                        <p:strVal val="visible"/>
+                                      </p:to>
+                                    </p:set>
+                                  </p:childTnLst>
+                                </p:cTn>
+                              </p:par>
+                            </p:childTnLst>
+                          </p:cTn>
+                        </p:par>
+                      </p:childTnLst>
+                    </p:cTn>
+                  </p:par>
+                  <p:par>
+                    <p:cTn id="57" fill="hold">
+                      <p:stCondLst>
+                        <p:cond delay="indefinite"/>
+                      </p:stCondLst>
+                      <p:childTnLst>
+                        <p:par>
+                          <p:cTn id="58" fill="hold">
+                            <p:stCondLst>
+                              <p:cond delay="0"/>
+                            </p:stCondLst>
+                            <p:childTnLst>
+                              <p:par>
+                                <p:cTn id="59" presetID="1" presetClass="entr" presetSubtype="0" fill="hold" nodeType="clickEffect">
+                                  <p:stCondLst>
+                                    <p:cond delay="0"/>
+                                  </p:stCondLst>
+                                  <p:childTnLst>
+                                    <p:set>
+                                      <p:cBhvr>
+                                        <p:cTn id="60" dur="1" fill="hold">
+                                          <p:stCondLst>
+                                            <p:cond delay="0"/>
+                                          </p:stCondLst>
+                                        </p:cTn>
+                                        <p:tgtEl>
+                                          <p:spTgt spid="13"/>
                                         </p:tgtEl>
                                         <p:attrNameLst>
                                           <p:attrName>style.visibility</p:attrName>
@@ -22296,6 +22631,36 @@
           <a:chExt cx="0" cy="0"/>
         </a:xfrm>
       </p:grpSpPr>
+      <p:pic>
+        <p:nvPicPr>
+          <p:cNvPr id="16" name="Imagen 15" descr="Gráfico, Gráfico de superficie&#10;&#10;Descripción generada automáticamente">
+            <a:extLst>
+              <a:ext uri="{FF2B5EF4-FFF2-40B4-BE49-F238E27FC236}">
+                <a16:creationId xmlns:a16="http://schemas.microsoft.com/office/drawing/2014/main" id="{7B05938E-83F4-4567-8A0F-6F1F833852EB}"/>
+              </a:ext>
+            </a:extLst>
+          </p:cNvPr>
+          <p:cNvPicPr>
+            <a:picLocks noChangeAspect="1"/>
+          </p:cNvPicPr>
+          <p:nvPr/>
+        </p:nvPicPr>
+        <p:blipFill>
+          <a:blip r:embed="rId2"/>
+          <a:stretch>
+            <a:fillRect/>
+          </a:stretch>
+        </p:blipFill>
+        <p:spPr>
+          <a:xfrm>
+            <a:off x="6662057" y="4508046"/>
+            <a:ext cx="4191000" cy="3181350"/>
+          </a:xfrm>
+          <a:prstGeom prst="rect">
+            <a:avLst/>
+          </a:prstGeom>
+        </p:spPr>
+      </p:pic>
       <p:sp>
         <p:nvSpPr>
           <p:cNvPr id="2" name="Marcador de texto 1">
@@ -22406,7 +22771,7 @@
           <p:nvPr/>
         </p:nvPicPr>
         <p:blipFill>
-          <a:blip r:embed="rId2"/>
+          <a:blip r:embed="rId3"/>
           <a:stretch>
             <a:fillRect/>
           </a:stretch>
@@ -22436,14 +22801,14 @@
           <p:nvPr/>
         </p:nvPicPr>
         <p:blipFill>
-          <a:blip r:embed="rId3"/>
+          <a:blip r:embed="rId4"/>
           <a:stretch>
             <a:fillRect/>
           </a:stretch>
         </p:blipFill>
         <p:spPr>
           <a:xfrm>
-            <a:off x="6288784" y="259414"/>
+            <a:off x="6362263" y="292071"/>
             <a:ext cx="5449889" cy="6406015"/>
           </a:xfrm>
           <a:prstGeom prst="rect">
@@ -22466,7 +22831,7 @@
           <p:nvPr/>
         </p:nvPicPr>
         <p:blipFill>
-          <a:blip r:embed="rId4"/>
+          <a:blip r:embed="rId5"/>
           <a:stretch>
             <a:fillRect/>
           </a:stretch>
@@ -22475,36 +22840,6 @@
           <a:xfrm>
             <a:off x="178319" y="2014164"/>
             <a:ext cx="6014951" cy="4584422"/>
-          </a:xfrm>
-          <a:prstGeom prst="rect">
-            <a:avLst/>
-          </a:prstGeom>
-        </p:spPr>
-      </p:pic>
-      <p:pic>
-        <p:nvPicPr>
-          <p:cNvPr id="16" name="Imagen 15" descr="Gráfico, Gráfico de superficie&#10;&#10;Descripción generada automáticamente">
-            <a:extLst>
-              <a:ext uri="{FF2B5EF4-FFF2-40B4-BE49-F238E27FC236}">
-                <a16:creationId xmlns:a16="http://schemas.microsoft.com/office/drawing/2014/main" id="{7B05938E-83F4-4567-8A0F-6F1F833852EB}"/>
-              </a:ext>
-            </a:extLst>
-          </p:cNvPr>
-          <p:cNvPicPr>
-            <a:picLocks noChangeAspect="1"/>
-          </p:cNvPicPr>
-          <p:nvPr/>
-        </p:nvPicPr>
-        <p:blipFill>
-          <a:blip r:embed="rId5"/>
-          <a:stretch>
-            <a:fillRect/>
-          </a:stretch>
-        </p:blipFill>
-        <p:spPr>
-          <a:xfrm>
-            <a:off x="6662057" y="4508046"/>
-            <a:ext cx="4191000" cy="3181350"/>
           </a:xfrm>
           <a:prstGeom prst="rect">
             <a:avLst/>
@@ -22775,7 +23110,7 @@
                             </p:stCondLst>
                             <p:childTnLst>
                               <p:par>
-                                <p:cTn id="25" presetID="1" presetClass="exit" presetSubtype="0" fill="hold" nodeType="clickEffect">
+                                <p:cTn id="25" presetID="1" presetClass="entr" presetSubtype="0" fill="hold" nodeType="clickEffect">
                                   <p:stCondLst>
                                     <p:cond delay="0"/>
                                   </p:stCondLst>
@@ -22783,51 +23118,6 @@
                                     <p:set>
                                       <p:cBhvr>
                                         <p:cTn id="26" dur="1" fill="hold">
-                                          <p:stCondLst>
-                                            <p:cond delay="0"/>
-                                          </p:stCondLst>
-                                        </p:cTn>
-                                        <p:tgtEl>
-                                          <p:spTgt spid="16"/>
-                                        </p:tgtEl>
-                                        <p:attrNameLst>
-                                          <p:attrName>style.visibility</p:attrName>
-                                        </p:attrNameLst>
-                                      </p:cBhvr>
-                                      <p:to>
-                                        <p:strVal val="hidden"/>
-                                      </p:to>
-                                    </p:set>
-                                  </p:childTnLst>
-                                </p:cTn>
-                              </p:par>
-                            </p:childTnLst>
-                          </p:cTn>
-                        </p:par>
-                      </p:childTnLst>
-                    </p:cTn>
-                  </p:par>
-                  <p:par>
-                    <p:cTn id="27" fill="hold">
-                      <p:stCondLst>
-                        <p:cond delay="indefinite"/>
-                      </p:stCondLst>
-                      <p:childTnLst>
-                        <p:par>
-                          <p:cTn id="28" fill="hold">
-                            <p:stCondLst>
-                              <p:cond delay="0"/>
-                            </p:stCondLst>
-                            <p:childTnLst>
-                              <p:par>
-                                <p:cTn id="29" presetID="1" presetClass="entr" presetSubtype="0" fill="hold" nodeType="clickEffect">
-                                  <p:stCondLst>
-                                    <p:cond delay="0"/>
-                                  </p:stCondLst>
-                                  <p:childTnLst>
-                                    <p:set>
-                                      <p:cBhvr>
-                                        <p:cTn id="30" dur="1" fill="hold">
                                           <p:stCondLst>
                                             <p:cond delay="0"/>
                                           </p:stCondLst>
@@ -23959,6 +24249,15 @@
 </file>
 
 <file path=customXml/item1.xml><?xml version="1.0" encoding="utf-8"?>
+<p:properties xmlns:p="http://schemas.microsoft.com/office/2006/metadata/properties" xmlns:xsi="http://www.w3.org/2001/XMLSchema-instance" xmlns:pc="http://schemas.microsoft.com/office/infopath/2007/PartnerControls">
+  <documentManagement>
+    <Status xmlns="71af3243-3dd4-4a8d-8c0d-dd76da1f02a5">Not started</Status>
+    <MediaServiceKeyPoints xmlns="71af3243-3dd4-4a8d-8c0d-dd76da1f02a5" xsi:nil="true"/>
+  </documentManagement>
+</p:properties>
+</file>
+
+<file path=customXml/item2.xml><?xml version="1.0" encoding="utf-8"?>
 <ct:contentTypeSchema xmlns:ct="http://schemas.microsoft.com/office/2006/metadata/contentType" xmlns:ma="http://schemas.microsoft.com/office/2006/metadata/properties/metaAttributes" ct:_="" ma:_="" ma:contentTypeName="Document" ma:contentTypeID="0x01010079F111ED35F8CC479449609E8A0923A6" ma:contentTypeVersion="12" ma:contentTypeDescription="Create a new document." ma:contentTypeScope="" ma:versionID="426e97fa315356fffbdcd9876fe988c2">
   <xsd:schema xmlns:xsd="http://www.w3.org/2001/XMLSchema" xmlns:xs="http://www.w3.org/2001/XMLSchema" xmlns:p="http://schemas.microsoft.com/office/2006/metadata/properties" xmlns:ns2="71af3243-3dd4-4a8d-8c0d-dd76da1f02a5" xmlns:ns3="16c05727-aa75-4e4a-9b5f-8a80a1165891" targetNamespace="http://schemas.microsoft.com/office/2006/metadata/properties" ma:root="true" ma:fieldsID="14b8f0def80e6d70ce3def20c90759ae" ns2:_="" ns3:_="">
     <xsd:import namespace="71af3243-3dd4-4a8d-8c0d-dd76da1f02a5"/>
@@ -24179,15 +24478,6 @@
 </ct:contentTypeSchema>
 </file>
 
-<file path=customXml/item2.xml><?xml version="1.0" encoding="utf-8"?>
-<p:properties xmlns:p="http://schemas.microsoft.com/office/2006/metadata/properties" xmlns:xsi="http://www.w3.org/2001/XMLSchema-instance" xmlns:pc="http://schemas.microsoft.com/office/infopath/2007/PartnerControls">
-  <documentManagement>
-    <Status xmlns="71af3243-3dd4-4a8d-8c0d-dd76da1f02a5">Not started</Status>
-    <MediaServiceKeyPoints xmlns="71af3243-3dd4-4a8d-8c0d-dd76da1f02a5" xsi:nil="true"/>
-  </documentManagement>
-</p:properties>
-</file>
-
 <file path=customXml/item3.xml><?xml version="1.0" encoding="utf-8"?>
 <?mso-contentType ?>
 <FormTemplates xmlns="http://schemas.microsoft.com/sharepoint/v3/contenttype/forms">
@@ -24198,6 +24488,16 @@
 </file>
 
 <file path=customXml/itemProps1.xml><?xml version="1.0" encoding="utf-8"?>
+<ds:datastoreItem xmlns:ds="http://schemas.openxmlformats.org/officeDocument/2006/customXml" ds:itemID="{B211B2B9-8CE5-4E5A-B70F-6B056FE844E8}">
+  <ds:schemaRefs>
+    <ds:schemaRef ds:uri="http://schemas.microsoft.com/office/2006/metadata/properties"/>
+    <ds:schemaRef ds:uri="http://schemas.microsoft.com/office/infopath/2007/PartnerControls"/>
+    <ds:schemaRef ds:uri="71af3243-3dd4-4a8d-8c0d-dd76da1f02a5"/>
+  </ds:schemaRefs>
+</ds:datastoreItem>
+</file>
+
+<file path=customXml/itemProps2.xml><?xml version="1.0" encoding="utf-8"?>
 <ds:datastoreItem xmlns:ds="http://schemas.openxmlformats.org/officeDocument/2006/customXml" ds:itemID="{5055BC56-8FA3-435B-ACDD-0E8E6241EF63}">
   <ds:schemaRefs>
     <ds:schemaRef ds:uri="http://schemas.microsoft.com/office/2006/metadata/contentType"/>
@@ -24216,16 +24516,6 @@
 </ds:datastoreItem>
 </file>
 
-<file path=customXml/itemProps2.xml><?xml version="1.0" encoding="utf-8"?>
-<ds:datastoreItem xmlns:ds="http://schemas.openxmlformats.org/officeDocument/2006/customXml" ds:itemID="{B211B2B9-8CE5-4E5A-B70F-6B056FE844E8}">
-  <ds:schemaRefs>
-    <ds:schemaRef ds:uri="http://schemas.microsoft.com/office/2006/metadata/properties"/>
-    <ds:schemaRef ds:uri="http://schemas.microsoft.com/office/infopath/2007/PartnerControls"/>
-    <ds:schemaRef ds:uri="71af3243-3dd4-4a8d-8c0d-dd76da1f02a5"/>
-  </ds:schemaRefs>
-</ds:datastoreItem>
-</file>
-
 <file path=customXml/itemProps3.xml><?xml version="1.0" encoding="utf-8"?>
 <ds:datastoreItem xmlns:ds="http://schemas.openxmlformats.org/officeDocument/2006/customXml" ds:itemID="{466BA265-3C9C-41FF-80C6-61A7F961C0DC}">
   <ds:schemaRefs>

--- a/ML_Project.pptx
+++ b/ML_Project.pptx
@@ -257,7 +257,7 @@
             <a:pPr rtl="0"/>
             <a:fld id="{CA031056-4FCB-4A2D-8961-F528C02E0335}" type="datetime1">
               <a:rPr lang="es-ES" smtClean="0"/>
-              <a:t>06/05/2022</a:t>
+              <a:t>07/05/2022</a:t>
             </a:fld>
             <a:endParaRPr lang="es-ES"/>
           </a:p>
@@ -439,7 +439,7 @@
             <a:fld id="{E6A1ED3A-6839-4688-9965-41A13FBB23DA}" type="datetime1">
               <a:rPr lang="es-ES" smtClean="0"/>
               <a:pPr/>
-              <a:t>06/05/2022</a:t>
+              <a:t>07/05/2022</a:t>
             </a:fld>
             <a:endParaRPr lang="es-ES" dirty="0"/>
           </a:p>
@@ -1465,7 +1465,7 @@
             <a:pPr rtl="0"/>
             <a:fld id="{AA56AE3B-6E27-4D3F-AACB-02038B3F9F4D}" type="datetime1">
               <a:rPr lang="es-ES" noProof="0" smtClean="0"/>
-              <a:t>06/05/2022</a:t>
+              <a:t>07/05/2022</a:t>
             </a:fld>
             <a:endParaRPr lang="es-ES" noProof="0"/>
           </a:p>
@@ -1748,7 +1748,7 @@
             <a:pPr rtl="0"/>
             <a:fld id="{AA56AE3B-6E27-4D3F-AACB-02038B3F9F4D}" type="datetime1">
               <a:rPr lang="es-ES" noProof="0" smtClean="0"/>
-              <a:t>06/05/2022</a:t>
+              <a:t>07/05/2022</a:t>
             </a:fld>
             <a:endParaRPr lang="es-ES" noProof="0"/>
           </a:p>
@@ -2027,7 +2027,7 @@
             <a:pPr rtl="0"/>
             <a:fld id="{AA56AE3B-6E27-4D3F-AACB-02038B3F9F4D}" type="datetime1">
               <a:rPr lang="es-ES" noProof="0" smtClean="0"/>
-              <a:t>06/05/2022</a:t>
+              <a:t>07/05/2022</a:t>
             </a:fld>
             <a:endParaRPr lang="es-ES" noProof="0"/>
           </a:p>
@@ -2306,7 +2306,7 @@
             <a:pPr rtl="0"/>
             <a:fld id="{AA56AE3B-6E27-4D3F-AACB-02038B3F9F4D}" type="datetime1">
               <a:rPr lang="es-ES" noProof="0" smtClean="0"/>
-              <a:t>06/05/2022</a:t>
+              <a:t>07/05/2022</a:t>
             </a:fld>
             <a:endParaRPr lang="es-ES" noProof="0"/>
           </a:p>
@@ -2504,7 +2504,7 @@
             <a:pPr rtl="0"/>
             <a:fld id="{AA56AE3B-6E27-4D3F-AACB-02038B3F9F4D}" type="datetime1">
               <a:rPr lang="es-ES" noProof="0" smtClean="0"/>
-              <a:t>06/05/2022</a:t>
+              <a:t>07/05/2022</a:t>
             </a:fld>
             <a:endParaRPr lang="es-ES" noProof="0"/>
           </a:p>
@@ -2781,7 +2781,7 @@
             <a:pPr rtl="0"/>
             <a:fld id="{AA56AE3B-6E27-4D3F-AACB-02038B3F9F4D}" type="datetime1">
               <a:rPr lang="es-ES" noProof="0" smtClean="0"/>
-              <a:t>06/05/2022</a:t>
+              <a:t>07/05/2022</a:t>
             </a:fld>
             <a:endParaRPr lang="es-ES" noProof="0"/>
           </a:p>
@@ -3126,7 +3126,7 @@
             <a:pPr rtl="0"/>
             <a:fld id="{AA56AE3B-6E27-4D3F-AACB-02038B3F9F4D}" type="datetime1">
               <a:rPr lang="es-ES" noProof="0" smtClean="0"/>
-              <a:t>06/05/2022</a:t>
+              <a:t>07/05/2022</a:t>
             </a:fld>
             <a:endParaRPr lang="es-ES" noProof="0"/>
           </a:p>
@@ -3753,7 +3753,7 @@
             <a:pPr rtl="0"/>
             <a:fld id="{AA56AE3B-6E27-4D3F-AACB-02038B3F9F4D}" type="datetime1">
               <a:rPr lang="es-ES" noProof="0" smtClean="0"/>
-              <a:t>06/05/2022</a:t>
+              <a:t>07/05/2022</a:t>
             </a:fld>
             <a:endParaRPr lang="es-ES" noProof="0"/>
           </a:p>
@@ -4617,7 +4617,7 @@
             <a:pPr rtl="0"/>
             <a:fld id="{AA56AE3B-6E27-4D3F-AACB-02038B3F9F4D}" type="datetime1">
               <a:rPr lang="es-ES" noProof="0" smtClean="0"/>
-              <a:t>06/05/2022</a:t>
+              <a:t>07/05/2022</a:t>
             </a:fld>
             <a:endParaRPr lang="es-ES" noProof="0"/>
           </a:p>
@@ -4791,7 +4791,7 @@
             <a:pPr rtl="0"/>
             <a:fld id="{AA56AE3B-6E27-4D3F-AACB-02038B3F9F4D}" type="datetime1">
               <a:rPr lang="es-ES" noProof="0" smtClean="0"/>
-              <a:t>06/05/2022</a:t>
+              <a:t>07/05/2022</a:t>
             </a:fld>
             <a:endParaRPr lang="es-ES" noProof="0"/>
           </a:p>
@@ -6113,7 +6113,7 @@
             <a:pPr rtl="0"/>
             <a:fld id="{AA56AE3B-6E27-4D3F-AACB-02038B3F9F4D}" type="datetime1">
               <a:rPr lang="es-ES" noProof="0" smtClean="0"/>
-              <a:t>06/05/2022</a:t>
+              <a:t>07/05/2022</a:t>
             </a:fld>
             <a:endParaRPr lang="es-ES" noProof="0"/>
           </a:p>
@@ -9763,7 +9763,7 @@
             <a:pPr rtl="0"/>
             <a:fld id="{AA56AE3B-6E27-4D3F-AACB-02038B3F9F4D}" type="datetime1">
               <a:rPr lang="es-ES" noProof="0" smtClean="0"/>
-              <a:t>06/05/2022</a:t>
+              <a:t>07/05/2022</a:t>
             </a:fld>
             <a:endParaRPr lang="es-ES" noProof="0"/>
           </a:p>
@@ -9937,7 +9937,7 @@
             <a:pPr rtl="0"/>
             <a:fld id="{AA56AE3B-6E27-4D3F-AACB-02038B3F9F4D}" type="datetime1">
               <a:rPr lang="es-ES" noProof="0" smtClean="0"/>
-              <a:t>06/05/2022</a:t>
+              <a:t>07/05/2022</a:t>
             </a:fld>
             <a:endParaRPr lang="es-ES" noProof="0"/>
           </a:p>
@@ -10188,7 +10188,7 @@
             <a:pPr rtl="0"/>
             <a:fld id="{AA56AE3B-6E27-4D3F-AACB-02038B3F9F4D}" type="datetime1">
               <a:rPr lang="es-ES" noProof="0" smtClean="0"/>
-              <a:t>06/05/2022</a:t>
+              <a:t>07/05/2022</a:t>
             </a:fld>
             <a:endParaRPr lang="es-ES" noProof="0"/>
           </a:p>
@@ -10484,7 +10484,7 @@
             <a:pPr rtl="0"/>
             <a:fld id="{AA56AE3B-6E27-4D3F-AACB-02038B3F9F4D}" type="datetime1">
               <a:rPr lang="es-ES" noProof="0" smtClean="0"/>
-              <a:t>06/05/2022</a:t>
+              <a:t>07/05/2022</a:t>
             </a:fld>
             <a:endParaRPr lang="es-ES" noProof="0"/>
           </a:p>
@@ -10932,7 +10932,7 @@
             <a:pPr rtl="0"/>
             <a:fld id="{AA56AE3B-6E27-4D3F-AACB-02038B3F9F4D}" type="datetime1">
               <a:rPr lang="es-ES" noProof="0" smtClean="0"/>
-              <a:t>06/05/2022</a:t>
+              <a:t>07/05/2022</a:t>
             </a:fld>
             <a:endParaRPr lang="es-ES" noProof="0"/>
           </a:p>
@@ -11054,7 +11054,7 @@
             <a:pPr rtl="0"/>
             <a:fld id="{AA56AE3B-6E27-4D3F-AACB-02038B3F9F4D}" type="datetime1">
               <a:rPr lang="es-ES" noProof="0" smtClean="0"/>
-              <a:t>06/05/2022</a:t>
+              <a:t>07/05/2022</a:t>
             </a:fld>
             <a:endParaRPr lang="es-ES" noProof="0"/>
           </a:p>
@@ -11288,7 +11288,7 @@
             <a:pPr rtl="0"/>
             <a:fld id="{AA56AE3B-6E27-4D3F-AACB-02038B3F9F4D}" type="datetime1">
               <a:rPr lang="es-ES" noProof="0" smtClean="0"/>
-              <a:t>06/05/2022</a:t>
+              <a:t>07/05/2022</a:t>
             </a:fld>
             <a:endParaRPr lang="es-ES" noProof="0"/>
           </a:p>
@@ -12052,7 +12052,7 @@
             <a:pPr rtl="0"/>
             <a:fld id="{AA56AE3B-6E27-4D3F-AACB-02038B3F9F4D}" type="datetime1">
               <a:rPr lang="es-ES" noProof="0" smtClean="0"/>
-              <a:t>06/05/2022</a:t>
+              <a:t>07/05/2022</a:t>
             </a:fld>
             <a:endParaRPr lang="es-ES" noProof="0"/>
           </a:p>
@@ -15328,6 +15328,45 @@
           </a:prstGeom>
         </p:spPr>
       </p:pic>
+      <p:sp>
+        <p:nvSpPr>
+          <p:cNvPr id="3" name="CuadroTexto 2">
+            <a:extLst>
+              <a:ext uri="{FF2B5EF4-FFF2-40B4-BE49-F238E27FC236}">
+                <a16:creationId xmlns:a16="http://schemas.microsoft.com/office/drawing/2014/main" id="{DAB1B296-8F46-0436-96F0-3553CF9CC0E4}"/>
+              </a:ext>
+            </a:extLst>
+          </p:cNvPr>
+          <p:cNvSpPr txBox="1"/>
+          <p:nvPr/>
+        </p:nvSpPr>
+        <p:spPr>
+          <a:xfrm>
+            <a:off x="4988378" y="5600312"/>
+            <a:ext cx="1787979" cy="369332"/>
+          </a:xfrm>
+          <a:prstGeom prst="rect">
+            <a:avLst/>
+          </a:prstGeom>
+          <a:noFill/>
+        </p:spPr>
+        <p:txBody>
+          <a:bodyPr wrap="square" rtlCol="0">
+            <a:spAutoFit/>
+          </a:bodyPr>
+          <a:lstStyle/>
+          <a:p>
+            <a:r>
+              <a:rPr lang="es-ES" dirty="0" err="1"/>
+              <a:t>rmse</a:t>
+            </a:r>
+            <a:r>
+              <a:rPr lang="es-ES" dirty="0"/>
+              <a:t> = 2,73</a:t>
+            </a:r>
+          </a:p>
+        </p:txBody>
+      </p:sp>
     </p:spTree>
     <p:extLst>
       <p:ext uri="{BB962C8B-B14F-4D97-AF65-F5344CB8AC3E}">
@@ -15515,6 +15554,45 @@
           </a:prstGeom>
         </p:spPr>
       </p:pic>
+      <p:sp>
+        <p:nvSpPr>
+          <p:cNvPr id="11" name="CuadroTexto 10">
+            <a:extLst>
+              <a:ext uri="{FF2B5EF4-FFF2-40B4-BE49-F238E27FC236}">
+                <a16:creationId xmlns:a16="http://schemas.microsoft.com/office/drawing/2014/main" id="{E7D9D057-C903-7F46-004C-13CCA1E569B8}"/>
+              </a:ext>
+            </a:extLst>
+          </p:cNvPr>
+          <p:cNvSpPr txBox="1"/>
+          <p:nvPr/>
+        </p:nvSpPr>
+        <p:spPr>
+          <a:xfrm>
+            <a:off x="5044829" y="5444220"/>
+            <a:ext cx="1514061" cy="369332"/>
+          </a:xfrm>
+          <a:prstGeom prst="rect">
+            <a:avLst/>
+          </a:prstGeom>
+          <a:noFill/>
+        </p:spPr>
+        <p:txBody>
+          <a:bodyPr wrap="square">
+            <a:spAutoFit/>
+          </a:bodyPr>
+          <a:lstStyle/>
+          <a:p>
+            <a:r>
+              <a:rPr lang="es-ES" dirty="0" err="1"/>
+              <a:t>rmse</a:t>
+            </a:r>
+            <a:r>
+              <a:rPr lang="es-ES" dirty="0"/>
+              <a:t> = 2.85</a:t>
+            </a:r>
+          </a:p>
+        </p:txBody>
+      </p:sp>
     </p:spTree>
     <p:extLst>
       <p:ext uri="{BB962C8B-B14F-4D97-AF65-F5344CB8AC3E}">
@@ -24249,15 +24327,6 @@
 </file>
 
 <file path=customXml/item1.xml><?xml version="1.0" encoding="utf-8"?>
-<p:properties xmlns:p="http://schemas.microsoft.com/office/2006/metadata/properties" xmlns:xsi="http://www.w3.org/2001/XMLSchema-instance" xmlns:pc="http://schemas.microsoft.com/office/infopath/2007/PartnerControls">
-  <documentManagement>
-    <Status xmlns="71af3243-3dd4-4a8d-8c0d-dd76da1f02a5">Not started</Status>
-    <MediaServiceKeyPoints xmlns="71af3243-3dd4-4a8d-8c0d-dd76da1f02a5" xsi:nil="true"/>
-  </documentManagement>
-</p:properties>
-</file>
-
-<file path=customXml/item2.xml><?xml version="1.0" encoding="utf-8"?>
 <ct:contentTypeSchema xmlns:ct="http://schemas.microsoft.com/office/2006/metadata/contentType" xmlns:ma="http://schemas.microsoft.com/office/2006/metadata/properties/metaAttributes" ct:_="" ma:_="" ma:contentTypeName="Document" ma:contentTypeID="0x01010079F111ED35F8CC479449609E8A0923A6" ma:contentTypeVersion="12" ma:contentTypeDescription="Create a new document." ma:contentTypeScope="" ma:versionID="426e97fa315356fffbdcd9876fe988c2">
   <xsd:schema xmlns:xsd="http://www.w3.org/2001/XMLSchema" xmlns:xs="http://www.w3.org/2001/XMLSchema" xmlns:p="http://schemas.microsoft.com/office/2006/metadata/properties" xmlns:ns2="71af3243-3dd4-4a8d-8c0d-dd76da1f02a5" xmlns:ns3="16c05727-aa75-4e4a-9b5f-8a80a1165891" targetNamespace="http://schemas.microsoft.com/office/2006/metadata/properties" ma:root="true" ma:fieldsID="14b8f0def80e6d70ce3def20c90759ae" ns2:_="" ns3:_="">
     <xsd:import namespace="71af3243-3dd4-4a8d-8c0d-dd76da1f02a5"/>
@@ -24478,6 +24547,15 @@
 </ct:contentTypeSchema>
 </file>
 
+<file path=customXml/item2.xml><?xml version="1.0" encoding="utf-8"?>
+<p:properties xmlns:p="http://schemas.microsoft.com/office/2006/metadata/properties" xmlns:xsi="http://www.w3.org/2001/XMLSchema-instance" xmlns:pc="http://schemas.microsoft.com/office/infopath/2007/PartnerControls">
+  <documentManagement>
+    <Status xmlns="71af3243-3dd4-4a8d-8c0d-dd76da1f02a5">Not started</Status>
+    <MediaServiceKeyPoints xmlns="71af3243-3dd4-4a8d-8c0d-dd76da1f02a5" xsi:nil="true"/>
+  </documentManagement>
+</p:properties>
+</file>
+
 <file path=customXml/item3.xml><?xml version="1.0" encoding="utf-8"?>
 <?mso-contentType ?>
 <FormTemplates xmlns="http://schemas.microsoft.com/sharepoint/v3/contenttype/forms">
@@ -24488,16 +24566,6 @@
 </file>
 
 <file path=customXml/itemProps1.xml><?xml version="1.0" encoding="utf-8"?>
-<ds:datastoreItem xmlns:ds="http://schemas.openxmlformats.org/officeDocument/2006/customXml" ds:itemID="{B211B2B9-8CE5-4E5A-B70F-6B056FE844E8}">
-  <ds:schemaRefs>
-    <ds:schemaRef ds:uri="http://schemas.microsoft.com/office/2006/metadata/properties"/>
-    <ds:schemaRef ds:uri="http://schemas.microsoft.com/office/infopath/2007/PartnerControls"/>
-    <ds:schemaRef ds:uri="71af3243-3dd4-4a8d-8c0d-dd76da1f02a5"/>
-  </ds:schemaRefs>
-</ds:datastoreItem>
-</file>
-
-<file path=customXml/itemProps2.xml><?xml version="1.0" encoding="utf-8"?>
 <ds:datastoreItem xmlns:ds="http://schemas.openxmlformats.org/officeDocument/2006/customXml" ds:itemID="{5055BC56-8FA3-435B-ACDD-0E8E6241EF63}">
   <ds:schemaRefs>
     <ds:schemaRef ds:uri="http://schemas.microsoft.com/office/2006/metadata/contentType"/>
@@ -24516,6 +24584,16 @@
 </ds:datastoreItem>
 </file>
 
+<file path=customXml/itemProps2.xml><?xml version="1.0" encoding="utf-8"?>
+<ds:datastoreItem xmlns:ds="http://schemas.openxmlformats.org/officeDocument/2006/customXml" ds:itemID="{B211B2B9-8CE5-4E5A-B70F-6B056FE844E8}">
+  <ds:schemaRefs>
+    <ds:schemaRef ds:uri="http://schemas.microsoft.com/office/2006/metadata/properties"/>
+    <ds:schemaRef ds:uri="http://schemas.microsoft.com/office/infopath/2007/PartnerControls"/>
+    <ds:schemaRef ds:uri="71af3243-3dd4-4a8d-8c0d-dd76da1f02a5"/>
+  </ds:schemaRefs>
+</ds:datastoreItem>
+</file>
+
 <file path=customXml/itemProps3.xml><?xml version="1.0" encoding="utf-8"?>
 <ds:datastoreItem xmlns:ds="http://schemas.openxmlformats.org/officeDocument/2006/customXml" ds:itemID="{466BA265-3C9C-41FF-80C6-61A7F961C0DC}">
   <ds:schemaRefs>
